--- a/OSS intro.pptx
+++ b/OSS intro.pptx
@@ -5,23 +5,25 @@
     <p:sldMasterId id="2147483684" r:id="rId1"/>
   </p:sldMasterIdLst>
   <p:notesMasterIdLst>
-    <p:notesMasterId r:id="rId16"/>
+    <p:notesMasterId r:id="rId18"/>
   </p:notesMasterIdLst>
   <p:sldIdLst>
-    <p:sldId id="256" r:id="rId2"/>
+    <p:sldId id="272" r:id="rId2"/>
     <p:sldId id="257" r:id="rId3"/>
-    <p:sldId id="258" r:id="rId4"/>
-    <p:sldId id="260" r:id="rId5"/>
-    <p:sldId id="267" r:id="rId6"/>
-    <p:sldId id="266" r:id="rId7"/>
-    <p:sldId id="259" r:id="rId8"/>
-    <p:sldId id="269" r:id="rId9"/>
-    <p:sldId id="261" r:id="rId10"/>
-    <p:sldId id="262" r:id="rId11"/>
-    <p:sldId id="268" r:id="rId12"/>
-    <p:sldId id="263" r:id="rId13"/>
+    <p:sldId id="273" r:id="rId4"/>
+    <p:sldId id="258" r:id="rId5"/>
+    <p:sldId id="260" r:id="rId6"/>
+    <p:sldId id="267" r:id="rId7"/>
+    <p:sldId id="266" r:id="rId8"/>
+    <p:sldId id="259" r:id="rId9"/>
+    <p:sldId id="269" r:id="rId10"/>
+    <p:sldId id="261" r:id="rId11"/>
+    <p:sldId id="262" r:id="rId12"/>
+    <p:sldId id="268" r:id="rId13"/>
     <p:sldId id="264" r:id="rId14"/>
     <p:sldId id="265" r:id="rId15"/>
+    <p:sldId id="263" r:id="rId16"/>
+    <p:sldId id="270" r:id="rId17"/>
   </p:sldIdLst>
   <p:sldSz cx="9144000" cy="6858000" type="screen4x3"/>
   <p:notesSz cx="6858000" cy="9144000"/>
@@ -1254,6 +1256,13 @@
         </dgm:presLayoutVars>
       </dgm:prSet>
       <dgm:spPr/>
+      <dgm:t>
+        <a:bodyPr/>
+        <a:lstStyle/>
+        <a:p>
+          <a:endParaRPr lang="en-US"/>
+        </a:p>
+      </dgm:t>
     </dgm:pt>
     <dgm:pt modelId="{36697AA6-9C07-5942-9288-579CB9F9328C}" type="pres">
       <dgm:prSet presAssocID="{D84A8435-BBEC-E74B-8CDD-700B249537A5}" presName="circleB" presStyleLbl="node1" presStyleIdx="3" presStyleCnt="4" custLinFactNeighborX="-45254" custLinFactNeighborY="4114"/>
@@ -1265,40 +1274,40 @@
     </dgm:pt>
   </dgm:ptLst>
   <dgm:cxnLst>
+    <dgm:cxn modelId="{E0E4AC1E-1136-DA45-8EBC-8CC30BB73FCB}" srcId="{9E82C7CB-D950-2343-BB14-359788B8C4E5}" destId="{55C18C04-7D5E-4E43-A9A3-DA78AB821188}" srcOrd="1" destOrd="0" parTransId="{A4014CD5-7388-544C-91E7-06A12EE3DB36}" sibTransId="{FFAAA8B6-BD8D-1644-BB65-5F51BAFBC096}"/>
+    <dgm:cxn modelId="{82FF062A-2A45-D943-AED1-A150793AD736}" type="presOf" srcId="{933B5C73-13DA-FD44-B7EF-AA295F6265F1}" destId="{346B25C9-3ED3-BC4C-BCCF-ECFA2AFC0535}" srcOrd="0" destOrd="0" presId="urn:microsoft.com/office/officeart/2005/8/layout/hProcess11"/>
+    <dgm:cxn modelId="{61393CA3-3C22-C243-91A5-A7A1D066E660}" srcId="{933B5C73-13DA-FD44-B7EF-AA295F6265F1}" destId="{D84A8435-BBEC-E74B-8CDD-700B249537A5}" srcOrd="3" destOrd="0" parTransId="{154FB30D-EE00-6F40-ADC0-36624EDCF30C}" sibTransId="{3BED3561-37D5-3545-9D99-88FA51CDDF22}"/>
+    <dgm:cxn modelId="{1531A813-DC3B-3742-8E69-4B46529D9085}" type="presOf" srcId="{D84A8435-BBEC-E74B-8CDD-700B249537A5}" destId="{0FA7D221-AF44-9F4C-835F-8B5B950E87F8}" srcOrd="0" destOrd="0" presId="urn:microsoft.com/office/officeart/2005/8/layout/hProcess11"/>
+    <dgm:cxn modelId="{94E5E1AF-26BC-1145-8E82-FD20A5C73F82}" srcId="{933B5C73-13DA-FD44-B7EF-AA295F6265F1}" destId="{8C7A8FB8-7771-8F42-A41F-44A30B3A9D25}" srcOrd="0" destOrd="0" parTransId="{D9F89BDF-81F7-8542-A277-63C3938972DC}" sibTransId="{E4D906CB-6471-B249-965F-96CD67505FBB}"/>
+    <dgm:cxn modelId="{61557076-8C09-084E-BBF3-C5B1AF71FCED}" type="presOf" srcId="{55C18C04-7D5E-4E43-A9A3-DA78AB821188}" destId="{997DD107-3943-2C4A-B444-9C8C75213FB5}" srcOrd="0" destOrd="2" presId="urn:microsoft.com/office/officeart/2005/8/layout/hProcess11"/>
+    <dgm:cxn modelId="{DC29BADF-6C6B-0C42-B4A7-84450F0D72A3}" srcId="{933B5C73-13DA-FD44-B7EF-AA295F6265F1}" destId="{07382510-E8A8-0C42-84DB-3905D5F312BF}" srcOrd="2" destOrd="0" parTransId="{AE2D9FC6-822F-014A-A197-CDD818A5D350}" sibTransId="{3BE09200-619E-EF42-A8AA-F0BA1041F767}"/>
+    <dgm:cxn modelId="{C43F84DF-48B6-5142-A53C-BBC779C1642F}" type="presOf" srcId="{07382510-E8A8-0C42-84DB-3905D5F312BF}" destId="{DD413FCC-E0A4-1248-9ABC-7B13F93D4A73}" srcOrd="0" destOrd="0" presId="urn:microsoft.com/office/officeart/2005/8/layout/hProcess11"/>
     <dgm:cxn modelId="{38F65906-8E06-5346-8487-929CDA3F2AF5}" srcId="{9E82C7CB-D950-2343-BB14-359788B8C4E5}" destId="{0142E6CB-4EC0-0547-AC18-4D08DF038EA6}" srcOrd="0" destOrd="0" parTransId="{D05ECD20-4DFA-784F-BBC5-F146D3BE7A13}" sibTransId="{87B32B41-E7D6-B344-8C89-B488BF5313D4}"/>
-    <dgm:cxn modelId="{E0E4AC1E-1136-DA45-8EBC-8CC30BB73FCB}" srcId="{9E82C7CB-D950-2343-BB14-359788B8C4E5}" destId="{55C18C04-7D5E-4E43-A9A3-DA78AB821188}" srcOrd="1" destOrd="0" parTransId="{A4014CD5-7388-544C-91E7-06A12EE3DB36}" sibTransId="{FFAAA8B6-BD8D-1644-BB65-5F51BAFBC096}"/>
-    <dgm:cxn modelId="{DC29BADF-6C6B-0C42-B4A7-84450F0D72A3}" srcId="{933B5C73-13DA-FD44-B7EF-AA295F6265F1}" destId="{07382510-E8A8-0C42-84DB-3905D5F312BF}" srcOrd="2" destOrd="0" parTransId="{AE2D9FC6-822F-014A-A197-CDD818A5D350}" sibTransId="{3BE09200-619E-EF42-A8AA-F0BA1041F767}"/>
-    <dgm:cxn modelId="{94E5E1AF-26BC-1145-8E82-FD20A5C73F82}" srcId="{933B5C73-13DA-FD44-B7EF-AA295F6265F1}" destId="{8C7A8FB8-7771-8F42-A41F-44A30B3A9D25}" srcOrd="0" destOrd="0" parTransId="{D9F89BDF-81F7-8542-A277-63C3938972DC}" sibTransId="{E4D906CB-6471-B249-965F-96CD67505FBB}"/>
-    <dgm:cxn modelId="{42AD3590-BE85-A24F-8046-EE87C766B0F8}" type="presOf" srcId="{9E82C7CB-D950-2343-BB14-359788B8C4E5}" destId="{997DD107-3943-2C4A-B444-9C8C75213FB5}" srcOrd="0" destOrd="0" presId="urn:microsoft.com/office/officeart/2005/8/layout/hProcess11"/>
-    <dgm:cxn modelId="{8C3E88DC-78C6-7647-9C33-4D12112A9DDE}" type="presOf" srcId="{933B5C73-13DA-FD44-B7EF-AA295F6265F1}" destId="{346B25C9-3ED3-BC4C-BCCF-ECFA2AFC0535}" srcOrd="0" destOrd="0" presId="urn:microsoft.com/office/officeart/2005/8/layout/hProcess11"/>
-    <dgm:cxn modelId="{61393CA3-3C22-C243-91A5-A7A1D066E660}" srcId="{933B5C73-13DA-FD44-B7EF-AA295F6265F1}" destId="{D84A8435-BBEC-E74B-8CDD-700B249537A5}" srcOrd="3" destOrd="0" parTransId="{154FB30D-EE00-6F40-ADC0-36624EDCF30C}" sibTransId="{3BED3561-37D5-3545-9D99-88FA51CDDF22}"/>
+    <dgm:cxn modelId="{59B901D3-1F3B-9741-B664-5F18D9A17D5D}" type="presOf" srcId="{8C7A8FB8-7771-8F42-A41F-44A30B3A9D25}" destId="{D0B1D02F-FBE2-DE40-B43E-CDB97E34F456}" srcOrd="0" destOrd="0" presId="urn:microsoft.com/office/officeart/2005/8/layout/hProcess11"/>
+    <dgm:cxn modelId="{633ECFA8-5413-7446-881B-0A9C7BB8B8EC}" type="presOf" srcId="{9E82C7CB-D950-2343-BB14-359788B8C4E5}" destId="{997DD107-3943-2C4A-B444-9C8C75213FB5}" srcOrd="0" destOrd="0" presId="urn:microsoft.com/office/officeart/2005/8/layout/hProcess11"/>
+    <dgm:cxn modelId="{EC64E781-BC8D-2943-9DEB-DC4D8C4683F7}" type="presOf" srcId="{0142E6CB-4EC0-0547-AC18-4D08DF038EA6}" destId="{997DD107-3943-2C4A-B444-9C8C75213FB5}" srcOrd="0" destOrd="1" presId="urn:microsoft.com/office/officeart/2005/8/layout/hProcess11"/>
     <dgm:cxn modelId="{D96448DC-540D-A44C-91F2-CEBC126E2005}" srcId="{933B5C73-13DA-FD44-B7EF-AA295F6265F1}" destId="{9E82C7CB-D950-2343-BB14-359788B8C4E5}" srcOrd="1" destOrd="0" parTransId="{BE58BE7A-97BE-6B4E-AD5C-0FCF820B9EE4}" sibTransId="{87583AEE-33E0-6248-80A2-11B5C9B43D47}"/>
-    <dgm:cxn modelId="{7EB5BC5C-DF7E-7745-9381-DED46EA2A049}" type="presOf" srcId="{D84A8435-BBEC-E74B-8CDD-700B249537A5}" destId="{0FA7D221-AF44-9F4C-835F-8B5B950E87F8}" srcOrd="0" destOrd="0" presId="urn:microsoft.com/office/officeart/2005/8/layout/hProcess11"/>
-    <dgm:cxn modelId="{DC98258E-E601-5D41-A83F-163723D88CEE}" type="presOf" srcId="{55C18C04-7D5E-4E43-A9A3-DA78AB821188}" destId="{997DD107-3943-2C4A-B444-9C8C75213FB5}" srcOrd="0" destOrd="2" presId="urn:microsoft.com/office/officeart/2005/8/layout/hProcess11"/>
-    <dgm:cxn modelId="{12B4C73B-C19E-DD4A-955D-EE00961F787D}" type="presOf" srcId="{07382510-E8A8-0C42-84DB-3905D5F312BF}" destId="{DD413FCC-E0A4-1248-9ABC-7B13F93D4A73}" srcOrd="0" destOrd="0" presId="urn:microsoft.com/office/officeart/2005/8/layout/hProcess11"/>
-    <dgm:cxn modelId="{0B63ECAC-907A-E942-9D69-0A5C7BE1F6AD}" type="presOf" srcId="{8C7A8FB8-7771-8F42-A41F-44A30B3A9D25}" destId="{D0B1D02F-FBE2-DE40-B43E-CDB97E34F456}" srcOrd="0" destOrd="0" presId="urn:microsoft.com/office/officeart/2005/8/layout/hProcess11"/>
-    <dgm:cxn modelId="{690AB394-0D2B-154D-8A67-CA0E3E3E6D51}" type="presOf" srcId="{0142E6CB-4EC0-0547-AC18-4D08DF038EA6}" destId="{997DD107-3943-2C4A-B444-9C8C75213FB5}" srcOrd="0" destOrd="1" presId="urn:microsoft.com/office/officeart/2005/8/layout/hProcess11"/>
-    <dgm:cxn modelId="{945C335F-1969-3C45-9379-469B0B67A6B6}" type="presParOf" srcId="{346B25C9-3ED3-BC4C-BCCF-ECFA2AFC0535}" destId="{B563DD1E-147A-E24B-B2E8-D60CDD8BE50A}" srcOrd="0" destOrd="0" presId="urn:microsoft.com/office/officeart/2005/8/layout/hProcess11"/>
-    <dgm:cxn modelId="{939A6D6D-EBA0-CD49-9C12-D711E4896092}" type="presParOf" srcId="{346B25C9-3ED3-BC4C-BCCF-ECFA2AFC0535}" destId="{5A94A9F6-E3A7-0A4B-834F-E9C573651A90}" srcOrd="1" destOrd="0" presId="urn:microsoft.com/office/officeart/2005/8/layout/hProcess11"/>
-    <dgm:cxn modelId="{96213A36-A17A-3840-B616-6B34231C12B6}" type="presParOf" srcId="{5A94A9F6-E3A7-0A4B-834F-E9C573651A90}" destId="{73DEB9F1-7D12-C645-B007-D8377FD67552}" srcOrd="0" destOrd="0" presId="urn:microsoft.com/office/officeart/2005/8/layout/hProcess11"/>
-    <dgm:cxn modelId="{8EFF47EE-645E-D144-9CE0-43798FBC56EF}" type="presParOf" srcId="{73DEB9F1-7D12-C645-B007-D8377FD67552}" destId="{D0B1D02F-FBE2-DE40-B43E-CDB97E34F456}" srcOrd="0" destOrd="0" presId="urn:microsoft.com/office/officeart/2005/8/layout/hProcess11"/>
-    <dgm:cxn modelId="{2223871A-69B7-F84C-AFED-AD08DFA23B4F}" type="presParOf" srcId="{73DEB9F1-7D12-C645-B007-D8377FD67552}" destId="{EEFDE9FE-D414-F448-9061-CADC112D144F}" srcOrd="1" destOrd="0" presId="urn:microsoft.com/office/officeart/2005/8/layout/hProcess11"/>
-    <dgm:cxn modelId="{C871B839-9C7F-7B4B-8A80-82A8B5F6D469}" type="presParOf" srcId="{73DEB9F1-7D12-C645-B007-D8377FD67552}" destId="{849AA8B0-BD83-634D-A6D2-1BA4104472F4}" srcOrd="2" destOrd="0" presId="urn:microsoft.com/office/officeart/2005/8/layout/hProcess11"/>
-    <dgm:cxn modelId="{0E2EF2AB-0382-4247-B0DD-4D204E68A5A7}" type="presParOf" srcId="{5A94A9F6-E3A7-0A4B-834F-E9C573651A90}" destId="{3247F8B9-E2AC-1D4A-AC18-8E3FEB7C3196}" srcOrd="1" destOrd="0" presId="urn:microsoft.com/office/officeart/2005/8/layout/hProcess11"/>
-    <dgm:cxn modelId="{E600B4EF-32A3-E04A-BBB3-5921D30643DB}" type="presParOf" srcId="{5A94A9F6-E3A7-0A4B-834F-E9C573651A90}" destId="{B44F4CA7-AD15-0E44-964A-154D262317A1}" srcOrd="2" destOrd="0" presId="urn:microsoft.com/office/officeart/2005/8/layout/hProcess11"/>
-    <dgm:cxn modelId="{CA84506A-3757-9D4F-B71F-A5EDFC1020A7}" type="presParOf" srcId="{B44F4CA7-AD15-0E44-964A-154D262317A1}" destId="{997DD107-3943-2C4A-B444-9C8C75213FB5}" srcOrd="0" destOrd="0" presId="urn:microsoft.com/office/officeart/2005/8/layout/hProcess11"/>
-    <dgm:cxn modelId="{34BD7E39-E0D6-7A45-84D2-16C0CF55E7A6}" type="presParOf" srcId="{B44F4CA7-AD15-0E44-964A-154D262317A1}" destId="{8A9FBCD8-868D-0542-8128-8B07DC7E23C0}" srcOrd="1" destOrd="0" presId="urn:microsoft.com/office/officeart/2005/8/layout/hProcess11"/>
-    <dgm:cxn modelId="{1BAD194C-8E6A-D341-B9AC-206B28A065FF}" type="presParOf" srcId="{B44F4CA7-AD15-0E44-964A-154D262317A1}" destId="{3D9D4DE9-7A42-7241-854F-4219F4D8EBC4}" srcOrd="2" destOrd="0" presId="urn:microsoft.com/office/officeart/2005/8/layout/hProcess11"/>
-    <dgm:cxn modelId="{0DD453E8-4A29-C741-ABD1-929017765A40}" type="presParOf" srcId="{5A94A9F6-E3A7-0A4B-834F-E9C573651A90}" destId="{025125C4-EE08-5B4E-9E6F-6BA05E9D13C1}" srcOrd="3" destOrd="0" presId="urn:microsoft.com/office/officeart/2005/8/layout/hProcess11"/>
-    <dgm:cxn modelId="{752F3821-DCAF-D64E-A36E-D7AE9923C3D8}" type="presParOf" srcId="{5A94A9F6-E3A7-0A4B-834F-E9C573651A90}" destId="{80B1E1F0-6F93-EB48-9DED-6FBBBBE57A9E}" srcOrd="4" destOrd="0" presId="urn:microsoft.com/office/officeart/2005/8/layout/hProcess11"/>
-    <dgm:cxn modelId="{1136B144-7EEE-474A-9D4C-B4E34087490F}" type="presParOf" srcId="{80B1E1F0-6F93-EB48-9DED-6FBBBBE57A9E}" destId="{DD413FCC-E0A4-1248-9ABC-7B13F93D4A73}" srcOrd="0" destOrd="0" presId="urn:microsoft.com/office/officeart/2005/8/layout/hProcess11"/>
-    <dgm:cxn modelId="{DC94AA24-6E13-CC43-B7AC-0A07D038E0FF}" type="presParOf" srcId="{80B1E1F0-6F93-EB48-9DED-6FBBBBE57A9E}" destId="{E5C5A811-F797-AA41-B54C-36487EC73A64}" srcOrd="1" destOrd="0" presId="urn:microsoft.com/office/officeart/2005/8/layout/hProcess11"/>
-    <dgm:cxn modelId="{2C93E9EB-FE55-F64C-943E-67D2BD0529A3}" type="presParOf" srcId="{80B1E1F0-6F93-EB48-9DED-6FBBBBE57A9E}" destId="{C9E4B5BF-C3B5-804C-80F3-9FD178A323C3}" srcOrd="2" destOrd="0" presId="urn:microsoft.com/office/officeart/2005/8/layout/hProcess11"/>
-    <dgm:cxn modelId="{EC538AD6-3206-C24B-9867-880FC2223CF2}" type="presParOf" srcId="{5A94A9F6-E3A7-0A4B-834F-E9C573651A90}" destId="{03559DE6-D91D-FB49-AF2E-99B2FC84EC8E}" srcOrd="5" destOrd="0" presId="urn:microsoft.com/office/officeart/2005/8/layout/hProcess11"/>
-    <dgm:cxn modelId="{2A6B4D80-5C96-6541-9249-1BA51033F52C}" type="presParOf" srcId="{5A94A9F6-E3A7-0A4B-834F-E9C573651A90}" destId="{6B3179CD-D49B-D049-AF86-F395FA779214}" srcOrd="6" destOrd="0" presId="urn:microsoft.com/office/officeart/2005/8/layout/hProcess11"/>
-    <dgm:cxn modelId="{A6BD8E32-3205-DC47-8DF4-5A005197C479}" type="presParOf" srcId="{6B3179CD-D49B-D049-AF86-F395FA779214}" destId="{0FA7D221-AF44-9F4C-835F-8B5B950E87F8}" srcOrd="0" destOrd="0" presId="urn:microsoft.com/office/officeart/2005/8/layout/hProcess11"/>
-    <dgm:cxn modelId="{E2A9A171-08F0-8E47-83B1-9B91EE33C675}" type="presParOf" srcId="{6B3179CD-D49B-D049-AF86-F395FA779214}" destId="{36697AA6-9C07-5942-9288-579CB9F9328C}" srcOrd="1" destOrd="0" presId="urn:microsoft.com/office/officeart/2005/8/layout/hProcess11"/>
-    <dgm:cxn modelId="{7C324773-C07B-C54A-BBFB-E49458E6BFF5}" type="presParOf" srcId="{6B3179CD-D49B-D049-AF86-F395FA779214}" destId="{E7FCA002-66A1-A94B-BE3A-6E003E1EDF37}" srcOrd="2" destOrd="0" presId="urn:microsoft.com/office/officeart/2005/8/layout/hProcess11"/>
+    <dgm:cxn modelId="{972C086E-1C42-4841-84D8-370B6CAF61C9}" type="presParOf" srcId="{346B25C9-3ED3-BC4C-BCCF-ECFA2AFC0535}" destId="{B563DD1E-147A-E24B-B2E8-D60CDD8BE50A}" srcOrd="0" destOrd="0" presId="urn:microsoft.com/office/officeart/2005/8/layout/hProcess11"/>
+    <dgm:cxn modelId="{CCEB58BA-EBA4-F543-809D-485F1983A1E8}" type="presParOf" srcId="{346B25C9-3ED3-BC4C-BCCF-ECFA2AFC0535}" destId="{5A94A9F6-E3A7-0A4B-834F-E9C573651A90}" srcOrd="1" destOrd="0" presId="urn:microsoft.com/office/officeart/2005/8/layout/hProcess11"/>
+    <dgm:cxn modelId="{D0D88F47-16F0-6D45-9138-D206E26014CB}" type="presParOf" srcId="{5A94A9F6-E3A7-0A4B-834F-E9C573651A90}" destId="{73DEB9F1-7D12-C645-B007-D8377FD67552}" srcOrd="0" destOrd="0" presId="urn:microsoft.com/office/officeart/2005/8/layout/hProcess11"/>
+    <dgm:cxn modelId="{D55B6A71-5675-F842-BDB7-7E3E790B54A9}" type="presParOf" srcId="{73DEB9F1-7D12-C645-B007-D8377FD67552}" destId="{D0B1D02F-FBE2-DE40-B43E-CDB97E34F456}" srcOrd="0" destOrd="0" presId="urn:microsoft.com/office/officeart/2005/8/layout/hProcess11"/>
+    <dgm:cxn modelId="{F428D691-909A-AD42-8EE6-5EDFA396AB01}" type="presParOf" srcId="{73DEB9F1-7D12-C645-B007-D8377FD67552}" destId="{EEFDE9FE-D414-F448-9061-CADC112D144F}" srcOrd="1" destOrd="0" presId="urn:microsoft.com/office/officeart/2005/8/layout/hProcess11"/>
+    <dgm:cxn modelId="{A377C15F-11F2-2F4F-B6CB-1BC89140CCC1}" type="presParOf" srcId="{73DEB9F1-7D12-C645-B007-D8377FD67552}" destId="{849AA8B0-BD83-634D-A6D2-1BA4104472F4}" srcOrd="2" destOrd="0" presId="urn:microsoft.com/office/officeart/2005/8/layout/hProcess11"/>
+    <dgm:cxn modelId="{5D13F321-E161-BD46-9970-636B1DDE1675}" type="presParOf" srcId="{5A94A9F6-E3A7-0A4B-834F-E9C573651A90}" destId="{3247F8B9-E2AC-1D4A-AC18-8E3FEB7C3196}" srcOrd="1" destOrd="0" presId="urn:microsoft.com/office/officeart/2005/8/layout/hProcess11"/>
+    <dgm:cxn modelId="{E7C8614E-4E8F-1C4B-A047-61358851CEA7}" type="presParOf" srcId="{5A94A9F6-E3A7-0A4B-834F-E9C573651A90}" destId="{B44F4CA7-AD15-0E44-964A-154D262317A1}" srcOrd="2" destOrd="0" presId="urn:microsoft.com/office/officeart/2005/8/layout/hProcess11"/>
+    <dgm:cxn modelId="{985E105E-9E7D-5447-A6B8-78164C97D2BA}" type="presParOf" srcId="{B44F4CA7-AD15-0E44-964A-154D262317A1}" destId="{997DD107-3943-2C4A-B444-9C8C75213FB5}" srcOrd="0" destOrd="0" presId="urn:microsoft.com/office/officeart/2005/8/layout/hProcess11"/>
+    <dgm:cxn modelId="{B788873E-00FF-DD49-8448-95DAEA3837CF}" type="presParOf" srcId="{B44F4CA7-AD15-0E44-964A-154D262317A1}" destId="{8A9FBCD8-868D-0542-8128-8B07DC7E23C0}" srcOrd="1" destOrd="0" presId="urn:microsoft.com/office/officeart/2005/8/layout/hProcess11"/>
+    <dgm:cxn modelId="{0ED24030-E4F5-104B-9632-C6EE517DD4FD}" type="presParOf" srcId="{B44F4CA7-AD15-0E44-964A-154D262317A1}" destId="{3D9D4DE9-7A42-7241-854F-4219F4D8EBC4}" srcOrd="2" destOrd="0" presId="urn:microsoft.com/office/officeart/2005/8/layout/hProcess11"/>
+    <dgm:cxn modelId="{F6E5E012-9EF6-5140-AB55-6FE638AEB8CF}" type="presParOf" srcId="{5A94A9F6-E3A7-0A4B-834F-E9C573651A90}" destId="{025125C4-EE08-5B4E-9E6F-6BA05E9D13C1}" srcOrd="3" destOrd="0" presId="urn:microsoft.com/office/officeart/2005/8/layout/hProcess11"/>
+    <dgm:cxn modelId="{54B8E8CF-C2DE-7749-AA84-0A2C2C50F8AE}" type="presParOf" srcId="{5A94A9F6-E3A7-0A4B-834F-E9C573651A90}" destId="{80B1E1F0-6F93-EB48-9DED-6FBBBBE57A9E}" srcOrd="4" destOrd="0" presId="urn:microsoft.com/office/officeart/2005/8/layout/hProcess11"/>
+    <dgm:cxn modelId="{A8169C96-EE44-4947-9199-0438B7EAF6C7}" type="presParOf" srcId="{80B1E1F0-6F93-EB48-9DED-6FBBBBE57A9E}" destId="{DD413FCC-E0A4-1248-9ABC-7B13F93D4A73}" srcOrd="0" destOrd="0" presId="urn:microsoft.com/office/officeart/2005/8/layout/hProcess11"/>
+    <dgm:cxn modelId="{9F9E6628-E7DA-B449-ADD9-2B747EED7DE1}" type="presParOf" srcId="{80B1E1F0-6F93-EB48-9DED-6FBBBBE57A9E}" destId="{E5C5A811-F797-AA41-B54C-36487EC73A64}" srcOrd="1" destOrd="0" presId="urn:microsoft.com/office/officeart/2005/8/layout/hProcess11"/>
+    <dgm:cxn modelId="{F734C574-1093-F740-A3AD-0886172C8474}" type="presParOf" srcId="{80B1E1F0-6F93-EB48-9DED-6FBBBBE57A9E}" destId="{C9E4B5BF-C3B5-804C-80F3-9FD178A323C3}" srcOrd="2" destOrd="0" presId="urn:microsoft.com/office/officeart/2005/8/layout/hProcess11"/>
+    <dgm:cxn modelId="{0A8F3E53-611C-A144-B24E-FFE6A8A3EEB7}" type="presParOf" srcId="{5A94A9F6-E3A7-0A4B-834F-E9C573651A90}" destId="{03559DE6-D91D-FB49-AF2E-99B2FC84EC8E}" srcOrd="5" destOrd="0" presId="urn:microsoft.com/office/officeart/2005/8/layout/hProcess11"/>
+    <dgm:cxn modelId="{D847532C-2CD0-C34B-9B6B-06A03F18AB9D}" type="presParOf" srcId="{5A94A9F6-E3A7-0A4B-834F-E9C573651A90}" destId="{6B3179CD-D49B-D049-AF86-F395FA779214}" srcOrd="6" destOrd="0" presId="urn:microsoft.com/office/officeart/2005/8/layout/hProcess11"/>
+    <dgm:cxn modelId="{05319CA7-4344-7549-B2A4-F49EAC31BC81}" type="presParOf" srcId="{6B3179CD-D49B-D049-AF86-F395FA779214}" destId="{0FA7D221-AF44-9F4C-835F-8B5B950E87F8}" srcOrd="0" destOrd="0" presId="urn:microsoft.com/office/officeart/2005/8/layout/hProcess11"/>
+    <dgm:cxn modelId="{84A22A9F-E9DF-0C40-B5F5-245A3865CB96}" type="presParOf" srcId="{6B3179CD-D49B-D049-AF86-F395FA779214}" destId="{36697AA6-9C07-5942-9288-579CB9F9328C}" srcOrd="1" destOrd="0" presId="urn:microsoft.com/office/officeart/2005/8/layout/hProcess11"/>
+    <dgm:cxn modelId="{55616B83-C293-4D49-A60A-9F5B8C76DCC3}" type="presParOf" srcId="{6B3179CD-D49B-D049-AF86-F395FA779214}" destId="{E7FCA002-66A1-A94B-BE3A-6E003E1EDF37}" srcOrd="2" destOrd="0" presId="urn:microsoft.com/office/officeart/2005/8/layout/hProcess11"/>
   </dgm:cxnLst>
   <dgm:bg/>
   <dgm:whole/>
@@ -3388,7 +3397,7 @@
           <a:p>
             <a:fld id="{C2E8553D-EA14-8549-9D3A-D1EE3CD96B9A}" type="datetimeFigureOut">
               <a:rPr lang="en-US" smtClean="0"/>
-              <a:t>11/8/12</a:t>
+              <a:t>11/9/12</a:t>
             </a:fld>
             <a:endParaRPr lang="en-US"/>
           </a:p>
@@ -3740,6 +3749,90 @@
 </p:notes>
 </file>
 
+<file path=ppt/notesSlides/notesSlide2.xml><?xml version="1.0" encoding="utf-8"?>
+<p:notes xmlns:a="http://schemas.openxmlformats.org/drawingml/2006/main" xmlns:r="http://schemas.openxmlformats.org/officeDocument/2006/relationships" xmlns:p="http://schemas.openxmlformats.org/presentationml/2006/main">
+  <p:cSld>
+    <p:spTree>
+      <p:nvGrpSpPr>
+        <p:cNvPr id="1" name=""/>
+        <p:cNvGrpSpPr/>
+        <p:nvPr/>
+      </p:nvGrpSpPr>
+      <p:grpSpPr>
+        <a:xfrm>
+          <a:off x="0" y="0"/>
+          <a:ext cx="0" cy="0"/>
+          <a:chOff x="0" y="0"/>
+          <a:chExt cx="0" cy="0"/>
+        </a:xfrm>
+      </p:grpSpPr>
+      <p:sp>
+        <p:nvSpPr>
+          <p:cNvPr id="2" name="Slide Image Placeholder 1"/>
+          <p:cNvSpPr>
+            <a:spLocks noGrp="1" noRot="1" noChangeAspect="1"/>
+          </p:cNvSpPr>
+          <p:nvPr>
+            <p:ph type="sldImg"/>
+          </p:nvPr>
+        </p:nvSpPr>
+        <p:spPr/>
+      </p:sp>
+      <p:sp>
+        <p:nvSpPr>
+          <p:cNvPr id="3" name="Notes Placeholder 2"/>
+          <p:cNvSpPr>
+            <a:spLocks noGrp="1"/>
+          </p:cNvSpPr>
+          <p:nvPr>
+            <p:ph type="body" idx="1"/>
+          </p:nvPr>
+        </p:nvSpPr>
+        <p:spPr/>
+        <p:txBody>
+          <a:bodyPr/>
+          <a:lstStyle/>
+          <a:p>
+            <a:endParaRPr lang="en-US" dirty="0"/>
+          </a:p>
+        </p:txBody>
+      </p:sp>
+      <p:sp>
+        <p:nvSpPr>
+          <p:cNvPr id="4" name="Slide Number Placeholder 3"/>
+          <p:cNvSpPr>
+            <a:spLocks noGrp="1"/>
+          </p:cNvSpPr>
+          <p:nvPr>
+            <p:ph type="sldNum" sz="quarter" idx="10"/>
+          </p:nvPr>
+        </p:nvSpPr>
+        <p:spPr/>
+        <p:txBody>
+          <a:bodyPr/>
+          <a:lstStyle/>
+          <a:p>
+            <a:fld id="{ADBCA930-AD3A-0A48-B75B-B27AD6721BDD}" type="slidenum">
+              <a:rPr lang="en-US" smtClean="0"/>
+              <a:t>3</a:t>
+            </a:fld>
+            <a:endParaRPr lang="en-US"/>
+          </a:p>
+        </p:txBody>
+      </p:sp>
+    </p:spTree>
+    <p:extLst>
+      <p:ext uri="{BB962C8B-B14F-4D97-AF65-F5344CB8AC3E}">
+        <p14:creationId xmlns:p14="http://schemas.microsoft.com/office/powerpoint/2010/main" val="2240646401"/>
+      </p:ext>
+    </p:extLst>
+  </p:cSld>
+  <p:clrMapOvr>
+    <a:masterClrMapping/>
+  </p:clrMapOvr>
+</p:notes>
+</file>
+
 <file path=ppt/slideLayouts/slideLayout1.xml><?xml version="1.0" encoding="utf-8"?>
 <p:sldLayout xmlns:a="http://schemas.openxmlformats.org/drawingml/2006/main" xmlns:r="http://schemas.openxmlformats.org/officeDocument/2006/relationships" xmlns:p="http://schemas.openxmlformats.org/presentationml/2006/main" type="title" preserve="1">
   <p:cSld name="Title Slide">
@@ -3932,7 +4025,7 @@
           <a:p>
             <a:fld id="{B4971E54-F1B6-5F45-B87A-9E2D4DC88AFF}" type="datetimeFigureOut">
               <a:rPr lang="en-US" smtClean="0"/>
-              <a:t>11/8/12</a:t>
+              <a:t>11/9/12</a:t>
             </a:fld>
             <a:endParaRPr lang="en-US"/>
           </a:p>
@@ -4107,7 +4200,7 @@
           <a:p>
             <a:fld id="{B4971E54-F1B6-5F45-B87A-9E2D4DC88AFF}" type="datetimeFigureOut">
               <a:rPr lang="en-US" smtClean="0"/>
-              <a:t>11/8/12</a:t>
+              <a:t>11/9/12</a:t>
             </a:fld>
             <a:endParaRPr lang="en-US"/>
           </a:p>
@@ -4292,7 +4385,7 @@
           <a:p>
             <a:fld id="{B4971E54-F1B6-5F45-B87A-9E2D4DC88AFF}" type="datetimeFigureOut">
               <a:rPr lang="en-US" smtClean="0"/>
-              <a:t>11/8/12</a:t>
+              <a:t>11/9/12</a:t>
             </a:fld>
             <a:endParaRPr lang="en-US"/>
           </a:p>
@@ -4485,7 +4578,7 @@
           <a:p>
             <a:fld id="{B4971E54-F1B6-5F45-B87A-9E2D4DC88AFF}" type="datetimeFigureOut">
               <a:rPr lang="en-US" smtClean="0"/>
-              <a:t>11/8/12</a:t>
+              <a:t>11/9/12</a:t>
             </a:fld>
             <a:endParaRPr lang="en-US"/>
           </a:p>
@@ -4757,7 +4850,7 @@
           <a:p>
             <a:fld id="{B4971E54-F1B6-5F45-B87A-9E2D4DC88AFF}" type="datetimeFigureOut">
               <a:rPr lang="en-US" smtClean="0"/>
-              <a:t>11/8/12</a:t>
+              <a:t>11/9/12</a:t>
             </a:fld>
             <a:endParaRPr lang="en-US"/>
           </a:p>
@@ -5115,7 +5208,7 @@
           <a:p>
             <a:fld id="{B4971E54-F1B6-5F45-B87A-9E2D4DC88AFF}" type="datetimeFigureOut">
               <a:rPr lang="en-US" smtClean="0"/>
-              <a:t>11/8/12</a:t>
+              <a:t>11/9/12</a:t>
             </a:fld>
             <a:endParaRPr lang="en-US"/>
           </a:p>
@@ -5433,7 +5526,7 @@
           <a:p>
             <a:fld id="{B4971E54-F1B6-5F45-B87A-9E2D4DC88AFF}" type="datetimeFigureOut">
               <a:rPr lang="en-US" smtClean="0"/>
-              <a:t>11/8/12</a:t>
+              <a:t>11/9/12</a:t>
             </a:fld>
             <a:endParaRPr lang="en-US"/>
           </a:p>
@@ -5670,7 +5763,7 @@
           <a:p>
             <a:fld id="{B4971E54-F1B6-5F45-B87A-9E2D4DC88AFF}" type="datetimeFigureOut">
               <a:rPr lang="en-US" smtClean="0"/>
-              <a:t>11/8/12</a:t>
+              <a:t>11/9/12</a:t>
             </a:fld>
             <a:endParaRPr lang="en-US"/>
           </a:p>
@@ -5770,7 +5863,7 @@
           <a:p>
             <a:fld id="{B4971E54-F1B6-5F45-B87A-9E2D4DC88AFF}" type="datetimeFigureOut">
               <a:rPr lang="en-US" smtClean="0"/>
-              <a:t>11/8/12</a:t>
+              <a:t>11/9/12</a:t>
             </a:fld>
             <a:endParaRPr lang="en-US"/>
           </a:p>
@@ -6068,7 +6161,7 @@
           <a:p>
             <a:fld id="{B4971E54-F1B6-5F45-B87A-9E2D4DC88AFF}" type="datetimeFigureOut">
               <a:rPr lang="en-US" smtClean="0"/>
-              <a:t>11/8/12</a:t>
+              <a:t>11/9/12</a:t>
             </a:fld>
             <a:endParaRPr lang="en-US"/>
           </a:p>
@@ -6347,7 +6440,7 @@
           <a:p>
             <a:fld id="{B4971E54-F1B6-5F45-B87A-9E2D4DC88AFF}" type="datetimeFigureOut">
               <a:rPr lang="en-US" smtClean="0"/>
-              <a:t>11/8/12</a:t>
+              <a:t>11/9/12</a:t>
             </a:fld>
             <a:endParaRPr lang="en-US"/>
           </a:p>
@@ -6567,7 +6660,7 @@
           <a:p>
             <a:fld id="{B4971E54-F1B6-5F45-B87A-9E2D4DC88AFF}" type="datetimeFigureOut">
               <a:rPr lang="en-US" smtClean="0"/>
-              <a:t>11/8/12</a:t>
+              <a:t>11/9/12</a:t>
             </a:fld>
             <a:endParaRPr lang="en-US"/>
           </a:p>
@@ -7097,34 +7190,6 @@
       </p:grpSpPr>
       <p:sp>
         <p:nvSpPr>
-          <p:cNvPr id="2" name="Title 1"/>
-          <p:cNvSpPr>
-            <a:spLocks noGrp="1"/>
-          </p:cNvSpPr>
-          <p:nvPr>
-            <p:ph type="ctrTitle"/>
-          </p:nvPr>
-        </p:nvSpPr>
-        <p:spPr>
-          <a:xfrm>
-            <a:off x="685800" y="2130425"/>
-            <a:ext cx="8218340" cy="1470025"/>
-          </a:xfrm>
-        </p:spPr>
-        <p:txBody>
-          <a:bodyPr/>
-          <a:lstStyle/>
-          <a:p>
-            <a:r>
-              <a:rPr lang="en-US" dirty="0" smtClean="0"/>
-              <a:t>Open Source Open Mind</a:t>
-            </a:r>
-            <a:endParaRPr lang="en-US" dirty="0"/>
-          </a:p>
-        </p:txBody>
-      </p:sp>
-      <p:sp>
-        <p:nvSpPr>
           <p:cNvPr id="3" name="Subtitle 2"/>
           <p:cNvSpPr>
             <a:spLocks noGrp="1"/>
@@ -7145,7 +7210,7 @@
           <a:p>
             <a:pPr algn="r"/>
             <a:r>
-              <a:rPr lang="en-US" altLang="zh-CN" smtClean="0"/>
+              <a:rPr lang="en-US" altLang="zh-CN" dirty="0" smtClean="0"/>
               <a:t>TW Xi’an</a:t>
             </a:r>
             <a:endParaRPr lang="en-US" dirty="0"/>
@@ -7154,7 +7219,7 @@
       </p:sp>
       <p:pic>
         <p:nvPicPr>
-          <p:cNvPr id="8" name="Picture 7"/>
+          <p:cNvPr id="11" name="Picture 10"/>
           <p:cNvPicPr>
             <a:picLocks noChangeAspect="1"/>
           </p:cNvPicPr>
@@ -7168,42 +7233,46 @@
         </p:blipFill>
         <p:spPr>
           <a:xfrm>
-            <a:off x="1515535" y="4075897"/>
-            <a:ext cx="1320800" cy="1320800"/>
+            <a:off x="2568823" y="3600450"/>
+            <a:ext cx="3766044" cy="2043079"/>
           </a:xfrm>
           <a:prstGeom prst="rect">
             <a:avLst/>
           </a:prstGeom>
         </p:spPr>
       </p:pic>
-      <p:pic>
-        <p:nvPicPr>
-          <p:cNvPr id="10" name="Picture 9"/>
-          <p:cNvPicPr>
-            <a:picLocks noChangeAspect="1"/>
-          </p:cNvPicPr>
-          <p:nvPr/>
-        </p:nvPicPr>
-        <p:blipFill>
-          <a:blip r:embed="rId3"/>
-          <a:stretch>
-            <a:fillRect/>
-          </a:stretch>
-        </p:blipFill>
+      <p:sp>
+        <p:nvSpPr>
+          <p:cNvPr id="9" name="Title 1"/>
+          <p:cNvSpPr>
+            <a:spLocks noGrp="1"/>
+          </p:cNvSpPr>
+          <p:nvPr>
+            <p:ph type="ctrTitle"/>
+          </p:nvPr>
+        </p:nvSpPr>
         <p:spPr>
           <a:xfrm>
-            <a:off x="3194753" y="3394447"/>
-            <a:ext cx="2483558" cy="2425608"/>
+            <a:off x="685800" y="2130425"/>
+            <a:ext cx="8218340" cy="1470025"/>
           </a:xfrm>
-          <a:prstGeom prst="rect">
-            <a:avLst/>
-          </a:prstGeom>
         </p:spPr>
-      </p:pic>
+        <p:txBody>
+          <a:bodyPr/>
+          <a:lstStyle/>
+          <a:p>
+            <a:r>
+              <a:rPr lang="en-US" dirty="0" smtClean="0"/>
+              <a:t>Open Source Open Mind</a:t>
+            </a:r>
+            <a:endParaRPr lang="en-US" dirty="0"/>
+          </a:p>
+        </p:txBody>
+      </p:sp>
     </p:spTree>
     <p:extLst>
       <p:ext uri="{BB962C8B-B14F-4D97-AF65-F5344CB8AC3E}">
-        <p14:creationId xmlns:p14="http://schemas.microsoft.com/office/powerpoint/2010/main" val="2201822082"/>
+        <p14:creationId xmlns:p14="http://schemas.microsoft.com/office/powerpoint/2010/main" val="3842519714"/>
       </p:ext>
     </p:extLst>
   </p:cSld>
@@ -7262,7 +7331,7 @@
           <a:p>
             <a:r>
               <a:rPr lang="en-US" dirty="0" smtClean="0"/>
-              <a:t>Community</a:t>
+              <a:t>OSS Hosting</a:t>
             </a:r>
             <a:endParaRPr lang="en-US" dirty="0"/>
           </a:p>
@@ -7280,13 +7349,13 @@
         </p:nvSpPr>
         <p:spPr>
           <a:xfrm>
-            <a:off x="1256149" y="3677050"/>
-            <a:ext cx="6753193" cy="2203387"/>
+            <a:off x="1150722" y="3579626"/>
+            <a:ext cx="6400800" cy="1752600"/>
           </a:xfrm>
         </p:spPr>
         <p:txBody>
           <a:bodyPr>
-            <a:normAutofit/>
+            <a:normAutofit lnSpcReduction="10000"/>
           </a:bodyPr>
           <a:lstStyle/>
           <a:p>
@@ -7295,8 +7364,8 @@
               <a:buChar char="v"/>
             </a:pPr>
             <a:r>
-              <a:rPr lang="en-US" altLang="zh-CN" dirty="0" smtClean="0"/>
-              <a:t>Wiki</a:t>
+              <a:rPr lang="en-US" altLang="zh-CN" dirty="0" err="1" smtClean="0"/>
+              <a:t>Github</a:t>
             </a:r>
             <a:endParaRPr lang="en-US" altLang="zh-CN" dirty="0" smtClean="0"/>
           </a:p>
@@ -7306,9 +7375,10 @@
               <a:buChar char="v"/>
             </a:pPr>
             <a:r>
-              <a:rPr lang="en-US" altLang="zh-CN" dirty="0" smtClean="0"/>
-              <a:t>Blogs</a:t>
-            </a:r>
+              <a:rPr lang="en-US" altLang="zh-CN" dirty="0" err="1" smtClean="0"/>
+              <a:t>Gitorious</a:t>
+            </a:r>
+            <a:endParaRPr lang="en-US" altLang="zh-CN" dirty="0" smtClean="0"/>
           </a:p>
           <a:p>
             <a:pPr marL="457200" indent="-457200" algn="l">
@@ -7317,12 +7387,9 @@
             </a:pPr>
             <a:r>
               <a:rPr lang="en-US" altLang="zh-CN" dirty="0" err="1" smtClean="0"/>
-              <a:t>Maling</a:t>
-            </a:r>
-            <a:r>
-              <a:rPr lang="en-US" altLang="zh-CN" dirty="0" smtClean="0"/>
-              <a:t> lists</a:t>
-            </a:r>
+              <a:t>SourceForge</a:t>
+            </a:r>
+            <a:endParaRPr lang="en-US" altLang="zh-CN" dirty="0" smtClean="0"/>
           </a:p>
           <a:p>
             <a:pPr marL="457200" indent="-457200" algn="l">
@@ -7330,27 +7397,34 @@
               <a:buChar char="v"/>
             </a:pPr>
             <a:r>
-              <a:rPr lang="en-US" dirty="0" smtClean="0"/>
-              <a:t>IRC channel</a:t>
-            </a:r>
+              <a:rPr lang="en-US" altLang="zh-CN" dirty="0" smtClean="0"/>
+              <a:t>Google code project</a:t>
+            </a:r>
+          </a:p>
+          <a:p>
+            <a:pPr marL="457200" indent="-457200" algn="l">
+              <a:buFont typeface="Wingdings" charset="2"/>
+              <a:buChar char="v"/>
+            </a:pPr>
+            <a:endParaRPr lang="en-US" dirty="0"/>
           </a:p>
         </p:txBody>
       </p:sp>
     </p:spTree>
     <p:extLst>
       <p:ext uri="{BB962C8B-B14F-4D97-AF65-F5344CB8AC3E}">
-        <p14:creationId xmlns:p14="http://schemas.microsoft.com/office/powerpoint/2010/main" val="4132564627"/>
+        <p14:creationId xmlns:p14="http://schemas.microsoft.com/office/powerpoint/2010/main" val="1682764158"/>
       </p:ext>
     </p:extLst>
   </p:cSld>
   <p:clrMapOvr>
     <a:masterClrMapping/>
   </p:clrMapOvr>
-  <mc:AlternateContent xmlns:mc="http://schemas.openxmlformats.org/markup-compatibility/2006">
-    <mc:Choice xmlns:p14="http://schemas.microsoft.com/office/powerpoint/2010/main" Requires="p14">
+  <mc:AlternateContent xmlns:mc="http://schemas.openxmlformats.org/markup-compatibility/2006" xmlns:p14="http://schemas.microsoft.com/office/powerpoint/2010/main">
+    <mc:Choice Requires="p14">
       <p:transition p14:dur="0"/>
     </mc:Choice>
-    <mc:Fallback>
+    <mc:Fallback xmlns="">
       <p:transition xmlns:p14="http://schemas.microsoft.com/office/powerpoint/2010/main"/>
     </mc:Fallback>
   </mc:AlternateContent>
@@ -7402,8 +7476,8 @@
           <a:lstStyle/>
           <a:p>
             <a:r>
-              <a:rPr lang="en-US" altLang="zh-CN" dirty="0" smtClean="0"/>
-              <a:t>Tooling</a:t>
+              <a:rPr lang="en-US" dirty="0" smtClean="0"/>
+              <a:t>Community</a:t>
             </a:r>
             <a:endParaRPr lang="en-US" dirty="0"/>
           </a:p>
@@ -7437,9 +7511,8 @@
             </a:pPr>
             <a:r>
               <a:rPr lang="en-US" altLang="zh-CN" dirty="0" smtClean="0"/>
-              <a:t>Version Control</a:t>
-            </a:r>
-            <a:endParaRPr lang="en-US" altLang="zh-CN" dirty="0" smtClean="0"/>
+              <a:t>Wiki</a:t>
+            </a:r>
           </a:p>
           <a:p>
             <a:pPr marL="457200" indent="-457200" algn="l">
@@ -7448,7 +7521,7 @@
             </a:pPr>
             <a:r>
               <a:rPr lang="en-US" altLang="zh-CN" dirty="0" smtClean="0"/>
-              <a:t>Building/Packaging</a:t>
+              <a:t>Blogs</a:t>
             </a:r>
           </a:p>
           <a:p>
@@ -7458,7 +7531,17 @@
             </a:pPr>
             <a:r>
               <a:rPr lang="en-US" altLang="zh-CN" dirty="0" smtClean="0"/>
-              <a:t>Bug Tracking</a:t>
+              <a:t>Mailing lists</a:t>
+            </a:r>
+          </a:p>
+          <a:p>
+            <a:pPr marL="457200" indent="-457200" algn="l">
+              <a:buFont typeface="Wingdings" charset="2"/>
+              <a:buChar char="v"/>
+            </a:pPr>
+            <a:r>
+              <a:rPr lang="en-US" dirty="0" smtClean="0"/>
+              <a:t>IRC channel</a:t>
             </a:r>
           </a:p>
         </p:txBody>
@@ -7466,18 +7549,18 @@
     </p:spTree>
     <p:extLst>
       <p:ext uri="{BB962C8B-B14F-4D97-AF65-F5344CB8AC3E}">
-        <p14:creationId xmlns:p14="http://schemas.microsoft.com/office/powerpoint/2010/main" val="3718760032"/>
+        <p14:creationId xmlns:p14="http://schemas.microsoft.com/office/powerpoint/2010/main" val="4132564627"/>
       </p:ext>
     </p:extLst>
   </p:cSld>
   <p:clrMapOvr>
     <a:masterClrMapping/>
   </p:clrMapOvr>
-  <mc:AlternateContent xmlns:mc="http://schemas.openxmlformats.org/markup-compatibility/2006">
-    <mc:Choice xmlns:p14="http://schemas.microsoft.com/office/powerpoint/2010/main" Requires="p14">
+  <mc:AlternateContent xmlns:mc="http://schemas.openxmlformats.org/markup-compatibility/2006" xmlns:p14="http://schemas.microsoft.com/office/powerpoint/2010/main">
+    <mc:Choice Requires="p14">
       <p:transition p14:dur="0"/>
     </mc:Choice>
-    <mc:Fallback>
+    <mc:Fallback xmlns="">
       <p:transition xmlns:p14="http://schemas.microsoft.com/office/powerpoint/2010/main"/>
     </mc:Fallback>
   </mc:AlternateContent>
@@ -7529,8 +7612,8 @@
           <a:lstStyle/>
           <a:p>
             <a:r>
-              <a:rPr lang="en-US" dirty="0" smtClean="0"/>
-              <a:t>How to Profit</a:t>
+              <a:rPr lang="en-US" altLang="zh-CN" dirty="0" smtClean="0"/>
+              <a:t>Tooling</a:t>
             </a:r>
             <a:endParaRPr lang="en-US" dirty="0"/>
           </a:p>
@@ -7546,30 +7629,64 @@
             <p:ph type="subTitle" idx="1"/>
           </p:nvPr>
         </p:nvSpPr>
-        <p:spPr/>
-        <p:txBody>
-          <a:bodyPr/>
+        <p:spPr>
+          <a:xfrm>
+            <a:off x="1256149" y="3677050"/>
+            <a:ext cx="6753193" cy="2203387"/>
+          </a:xfrm>
+        </p:spPr>
+        <p:txBody>
+          <a:bodyPr>
+            <a:normAutofit/>
+          </a:bodyPr>
           <a:lstStyle/>
           <a:p>
-            <a:endParaRPr lang="en-US" dirty="0" smtClean="0"/>
+            <a:pPr marL="457200" indent="-457200" algn="l">
+              <a:buFont typeface="Wingdings" charset="2"/>
+              <a:buChar char="v"/>
+            </a:pPr>
+            <a:r>
+              <a:rPr lang="en-US" altLang="zh-CN" dirty="0" smtClean="0"/>
+              <a:t>Version Control</a:t>
+            </a:r>
+          </a:p>
+          <a:p>
+            <a:pPr marL="457200" indent="-457200" algn="l">
+              <a:buFont typeface="Wingdings" charset="2"/>
+              <a:buChar char="v"/>
+            </a:pPr>
+            <a:r>
+              <a:rPr lang="en-US" altLang="zh-CN" dirty="0" smtClean="0"/>
+              <a:t>Building/Packaging</a:t>
+            </a:r>
+          </a:p>
+          <a:p>
+            <a:pPr marL="457200" indent="-457200" algn="l">
+              <a:buFont typeface="Wingdings" charset="2"/>
+              <a:buChar char="v"/>
+            </a:pPr>
+            <a:r>
+              <a:rPr lang="en-US" altLang="zh-CN" dirty="0" smtClean="0"/>
+              <a:t>Bug Tracking</a:t>
+            </a:r>
           </a:p>
         </p:txBody>
       </p:sp>
     </p:spTree>
     <p:extLst>
       <p:ext uri="{BB962C8B-B14F-4D97-AF65-F5344CB8AC3E}">
-        <p14:creationId xmlns:p14="http://schemas.microsoft.com/office/powerpoint/2010/main" val="382541135"/>
+        <p14:creationId xmlns:p14="http://schemas.microsoft.com/office/powerpoint/2010/main" val="3718760032"/>
       </p:ext>
     </p:extLst>
   </p:cSld>
   <p:clrMapOvr>
     <a:masterClrMapping/>
   </p:clrMapOvr>
-  <mc:AlternateContent xmlns:mc="http://schemas.openxmlformats.org/markup-compatibility/2006">
-    <mc:Choice xmlns:p14="http://schemas.microsoft.com/office/powerpoint/2010/main" Requires="p14">
+  <mc:AlternateContent xmlns:mc="http://schemas.openxmlformats.org/markup-compatibility/2006" xmlns:p14="http://schemas.microsoft.com/office/powerpoint/2010/main">
+    <mc:Choice Requires="p14">
       <p:transition p14:dur="0"/>
     </mc:Choice>
-    <mc:Fallback>
+    <mc:Fallback xmlns="">
       <p:transition xmlns:p14="http://schemas.microsoft.com/office/powerpoint/2010/main"/>
     </mc:Fallback>
   </mc:AlternateContent>
@@ -7678,11 +7795,11 @@
   <p:clrMapOvr>
     <a:masterClrMapping/>
   </p:clrMapOvr>
-  <mc:AlternateContent xmlns:mc="http://schemas.openxmlformats.org/markup-compatibility/2006">
-    <mc:Choice xmlns:p14="http://schemas.microsoft.com/office/powerpoint/2010/main" Requires="p14">
+  <mc:AlternateContent xmlns:mc="http://schemas.openxmlformats.org/markup-compatibility/2006" xmlns:p14="http://schemas.microsoft.com/office/powerpoint/2010/main">
+    <mc:Choice Requires="p14">
       <p:transition p14:dur="0"/>
     </mc:Choice>
-    <mc:Fallback>
+    <mc:Fallback xmlns="">
       <p:transition xmlns:p14="http://schemas.microsoft.com/office/powerpoint/2010/main"/>
     </mc:Fallback>
   </mc:AlternateContent>
@@ -7725,7 +7842,7 @@
         </p:nvSpPr>
         <p:spPr>
           <a:xfrm>
-            <a:off x="685800" y="2130425"/>
+            <a:off x="685800" y="1907827"/>
             <a:ext cx="8218340" cy="1470025"/>
           </a:xfrm>
         </p:spPr>
@@ -7735,7 +7852,7 @@
           <a:p>
             <a:r>
               <a:rPr lang="en-US" dirty="0" smtClean="0"/>
-              <a:t>Just Do It</a:t>
+              <a:t>Benefit</a:t>
             </a:r>
             <a:endParaRPr lang="en-US" dirty="0"/>
           </a:p>
@@ -7751,12 +7868,47 @@
             <p:ph type="subTitle" idx="1"/>
           </p:nvPr>
         </p:nvSpPr>
-        <p:spPr/>
-        <p:txBody>
-          <a:bodyPr/>
+        <p:spPr>
+          <a:xfrm>
+            <a:off x="1371600" y="3632502"/>
+            <a:ext cx="6400800" cy="1219200"/>
+          </a:xfrm>
+        </p:spPr>
+        <p:txBody>
+          <a:bodyPr>
+            <a:normAutofit fontScale="92500" lnSpcReduction="10000"/>
+          </a:bodyPr>
           <a:lstStyle/>
           <a:p>
-            <a:endParaRPr lang="en-US"/>
+            <a:pPr marL="342900" indent="-342900" algn="l">
+              <a:buFont typeface="Wingdings" charset="2"/>
+              <a:buChar char="v"/>
+            </a:pPr>
+            <a:r>
+              <a:rPr lang="en-US" dirty="0" smtClean="0"/>
+              <a:t>Extending knowledge </a:t>
+            </a:r>
+          </a:p>
+          <a:p>
+            <a:pPr marL="342900" indent="-342900" algn="l">
+              <a:buFont typeface="Wingdings" charset="2"/>
+              <a:buChar char="v"/>
+            </a:pPr>
+            <a:r>
+              <a:rPr lang="en-US" dirty="0" smtClean="0"/>
+              <a:t>Improving experience</a:t>
+            </a:r>
+          </a:p>
+          <a:p>
+            <a:pPr marL="342900" indent="-342900" algn="l">
+              <a:buFont typeface="Wingdings" charset="2"/>
+              <a:buChar char="v"/>
+            </a:pPr>
+            <a:r>
+              <a:rPr lang="en-US" dirty="0" smtClean="0"/>
+              <a:t>Enjoying influence</a:t>
+            </a:r>
+            <a:endParaRPr lang="en-US" dirty="0"/>
           </a:p>
         </p:txBody>
       </p:sp>
@@ -7770,11 +7922,229 @@
   <p:clrMapOvr>
     <a:masterClrMapping/>
   </p:clrMapOvr>
-  <mc:AlternateContent xmlns:mc="http://schemas.openxmlformats.org/markup-compatibility/2006">
-    <mc:Choice xmlns:p14="http://schemas.microsoft.com/office/powerpoint/2010/main" Requires="p14">
+  <mc:AlternateContent xmlns:mc="http://schemas.openxmlformats.org/markup-compatibility/2006" xmlns:p14="http://schemas.microsoft.com/office/powerpoint/2010/main">
+    <mc:Choice Requires="p14">
       <p:transition p14:dur="0"/>
     </mc:Choice>
-    <mc:Fallback>
+    <mc:Fallback xmlns="">
+      <p:transition xmlns:p14="http://schemas.microsoft.com/office/powerpoint/2010/main"/>
+    </mc:Fallback>
+  </mc:AlternateContent>
+  <p:timing>
+    <p:tnLst>
+      <p:par>
+        <p:cTn xmlns:p14="http://schemas.microsoft.com/office/powerpoint/2010/main" id="1" dur="indefinite" restart="never" nodeType="tmRoot"/>
+      </p:par>
+    </p:tnLst>
+  </p:timing>
+</p:sld>
+</file>
+
+<file path=ppt/slides/slide15.xml><?xml version="1.0" encoding="utf-8"?>
+<p:sld xmlns:a="http://schemas.openxmlformats.org/drawingml/2006/main" xmlns:r="http://schemas.openxmlformats.org/officeDocument/2006/relationships" xmlns:p="http://schemas.openxmlformats.org/presentationml/2006/main">
+  <p:cSld>
+    <p:spTree>
+      <p:nvGrpSpPr>
+        <p:cNvPr id="1" name=""/>
+        <p:cNvGrpSpPr/>
+        <p:nvPr/>
+      </p:nvGrpSpPr>
+      <p:grpSpPr>
+        <a:xfrm>
+          <a:off x="0" y="0"/>
+          <a:ext cx="0" cy="0"/>
+          <a:chOff x="0" y="0"/>
+          <a:chExt cx="0" cy="0"/>
+        </a:xfrm>
+      </p:grpSpPr>
+      <p:sp>
+        <p:nvSpPr>
+          <p:cNvPr id="2" name="Title 1"/>
+          <p:cNvSpPr>
+            <a:spLocks noGrp="1"/>
+          </p:cNvSpPr>
+          <p:nvPr>
+            <p:ph type="ctrTitle"/>
+          </p:nvPr>
+        </p:nvSpPr>
+        <p:spPr>
+          <a:xfrm>
+            <a:off x="685800" y="2130425"/>
+            <a:ext cx="8218340" cy="1470025"/>
+          </a:xfrm>
+        </p:spPr>
+        <p:txBody>
+          <a:bodyPr/>
+          <a:lstStyle/>
+          <a:p>
+            <a:r>
+              <a:rPr lang="en-US" dirty="0" smtClean="0"/>
+              <a:t>How to Profit</a:t>
+            </a:r>
+            <a:endParaRPr lang="en-US" dirty="0"/>
+          </a:p>
+        </p:txBody>
+      </p:sp>
+      <p:sp>
+        <p:nvSpPr>
+          <p:cNvPr id="3" name="Subtitle 2"/>
+          <p:cNvSpPr>
+            <a:spLocks noGrp="1"/>
+          </p:cNvSpPr>
+          <p:nvPr>
+            <p:ph type="subTitle" idx="1"/>
+          </p:nvPr>
+        </p:nvSpPr>
+        <p:spPr>
+          <a:xfrm>
+            <a:off x="1371600" y="3718297"/>
+            <a:ext cx="6400800" cy="1219200"/>
+          </a:xfrm>
+        </p:spPr>
+        <p:txBody>
+          <a:bodyPr>
+            <a:normAutofit fontScale="92500" lnSpcReduction="10000"/>
+          </a:bodyPr>
+          <a:lstStyle/>
+          <a:p>
+            <a:pPr marL="342900" indent="-342900" algn="l">
+              <a:buFont typeface="Wingdings" charset="2"/>
+              <a:buChar char="v"/>
+            </a:pPr>
+            <a:r>
+              <a:rPr lang="en-US" dirty="0" smtClean="0"/>
+              <a:t>Multiple Version</a:t>
+            </a:r>
+          </a:p>
+          <a:p>
+            <a:pPr marL="342900" indent="-342900" algn="l">
+              <a:buFont typeface="Wingdings" charset="2"/>
+              <a:buChar char="v"/>
+            </a:pPr>
+            <a:r>
+              <a:rPr lang="en-US" dirty="0" smtClean="0"/>
+              <a:t>Technical Support</a:t>
+            </a:r>
+          </a:p>
+          <a:p>
+            <a:pPr marL="342900" indent="-342900" algn="l">
+              <a:buFont typeface="Wingdings" charset="2"/>
+              <a:buChar char="v"/>
+            </a:pPr>
+            <a:r>
+              <a:rPr lang="en-US" dirty="0" smtClean="0"/>
+              <a:t>Documentation</a:t>
+            </a:r>
+          </a:p>
+        </p:txBody>
+      </p:sp>
+    </p:spTree>
+    <p:extLst>
+      <p:ext uri="{BB962C8B-B14F-4D97-AF65-F5344CB8AC3E}">
+        <p14:creationId xmlns:p14="http://schemas.microsoft.com/office/powerpoint/2010/main" val="382541135"/>
+      </p:ext>
+    </p:extLst>
+  </p:cSld>
+  <p:clrMapOvr>
+    <a:masterClrMapping/>
+  </p:clrMapOvr>
+  <mc:AlternateContent xmlns:mc="http://schemas.openxmlformats.org/markup-compatibility/2006" xmlns:p14="http://schemas.microsoft.com/office/powerpoint/2010/main">
+    <mc:Choice Requires="p14">
+      <p:transition p14:dur="0"/>
+    </mc:Choice>
+    <mc:Fallback xmlns="">
+      <p:transition xmlns:p14="http://schemas.microsoft.com/office/powerpoint/2010/main"/>
+    </mc:Fallback>
+  </mc:AlternateContent>
+  <p:timing>
+    <p:tnLst>
+      <p:par>
+        <p:cTn xmlns:p14="http://schemas.microsoft.com/office/powerpoint/2010/main" id="1" dur="indefinite" restart="never" nodeType="tmRoot"/>
+      </p:par>
+    </p:tnLst>
+  </p:timing>
+</p:sld>
+</file>
+
+<file path=ppt/slides/slide16.xml><?xml version="1.0" encoding="utf-8"?>
+<p:sld xmlns:a="http://schemas.openxmlformats.org/drawingml/2006/main" xmlns:r="http://schemas.openxmlformats.org/officeDocument/2006/relationships" xmlns:p="http://schemas.openxmlformats.org/presentationml/2006/main">
+  <p:cSld>
+    <p:spTree>
+      <p:nvGrpSpPr>
+        <p:cNvPr id="1" name=""/>
+        <p:cNvGrpSpPr/>
+        <p:nvPr/>
+      </p:nvGrpSpPr>
+      <p:grpSpPr>
+        <a:xfrm>
+          <a:off x="0" y="0"/>
+          <a:ext cx="0" cy="0"/>
+          <a:chOff x="0" y="0"/>
+          <a:chExt cx="0" cy="0"/>
+        </a:xfrm>
+      </p:grpSpPr>
+      <p:sp>
+        <p:nvSpPr>
+          <p:cNvPr id="2" name="Title 1"/>
+          <p:cNvSpPr>
+            <a:spLocks noGrp="1"/>
+          </p:cNvSpPr>
+          <p:nvPr>
+            <p:ph type="ctrTitle"/>
+          </p:nvPr>
+        </p:nvSpPr>
+        <p:spPr>
+          <a:xfrm>
+            <a:off x="685800" y="2130425"/>
+            <a:ext cx="8218340" cy="1470025"/>
+          </a:xfrm>
+        </p:spPr>
+        <p:txBody>
+          <a:bodyPr/>
+          <a:lstStyle/>
+          <a:p>
+            <a:r>
+              <a:rPr lang="en-US" dirty="0" smtClean="0"/>
+              <a:t>Just Do It !</a:t>
+            </a:r>
+            <a:endParaRPr lang="en-US" dirty="0"/>
+          </a:p>
+        </p:txBody>
+      </p:sp>
+      <p:sp>
+        <p:nvSpPr>
+          <p:cNvPr id="4" name="Subtitle 3"/>
+          <p:cNvSpPr>
+            <a:spLocks noGrp="1"/>
+          </p:cNvSpPr>
+          <p:nvPr>
+            <p:ph type="subTitle" idx="1"/>
+          </p:nvPr>
+        </p:nvSpPr>
+        <p:spPr/>
+        <p:txBody>
+          <a:bodyPr/>
+          <a:lstStyle/>
+          <a:p>
+            <a:endParaRPr lang="en-US"/>
+          </a:p>
+        </p:txBody>
+      </p:sp>
+    </p:spTree>
+    <p:extLst>
+      <p:ext uri="{BB962C8B-B14F-4D97-AF65-F5344CB8AC3E}">
+        <p14:creationId xmlns:p14="http://schemas.microsoft.com/office/powerpoint/2010/main" val="2553709327"/>
+      </p:ext>
+    </p:extLst>
+  </p:cSld>
+  <p:clrMapOvr>
+    <a:masterClrMapping/>
+  </p:clrMapOvr>
+  <mc:AlternateContent xmlns:mc="http://schemas.openxmlformats.org/markup-compatibility/2006" xmlns:p14="http://schemas.microsoft.com/office/powerpoint/2010/main">
+    <mc:Choice Requires="p14">
+      <p:transition p14:dur="0"/>
+    </mc:Choice>
+    <mc:Fallback xmlns="">
       <p:transition xmlns:p14="http://schemas.microsoft.com/office/powerpoint/2010/main"/>
     </mc:Fallback>
   </mc:AlternateContent>
@@ -7805,6 +8175,75 @@
           <a:chExt cx="0" cy="0"/>
         </a:xfrm>
       </p:grpSpPr>
+      <p:pic>
+        <p:nvPicPr>
+          <p:cNvPr id="10" name="Picture 9"/>
+          <p:cNvPicPr>
+            <a:picLocks noChangeAspect="1"/>
+          </p:cNvPicPr>
+          <p:nvPr/>
+        </p:nvPicPr>
+        <p:blipFill>
+          <a:blip r:embed="rId3"/>
+          <a:stretch>
+            <a:fillRect/>
+          </a:stretch>
+        </p:blipFill>
+        <p:spPr>
+          <a:xfrm>
+            <a:off x="838200" y="596900"/>
+            <a:ext cx="7454900" cy="5651500"/>
+          </a:xfrm>
+          <a:prstGeom prst="rect">
+            <a:avLst/>
+          </a:prstGeom>
+        </p:spPr>
+      </p:pic>
+    </p:spTree>
+    <p:extLst>
+      <p:ext uri="{BB962C8B-B14F-4D97-AF65-F5344CB8AC3E}">
+        <p14:creationId xmlns:p14="http://schemas.microsoft.com/office/powerpoint/2010/main" val="3208057730"/>
+      </p:ext>
+    </p:extLst>
+  </p:cSld>
+  <p:clrMapOvr>
+    <a:masterClrMapping/>
+  </p:clrMapOvr>
+  <mc:AlternateContent xmlns:mc="http://schemas.openxmlformats.org/markup-compatibility/2006" xmlns:p14="http://schemas.microsoft.com/office/powerpoint/2010/main">
+    <mc:Choice Requires="p14">
+      <p:transition p14:dur="0"/>
+    </mc:Choice>
+    <mc:Fallback xmlns="">
+      <p:transition xmlns:p14="http://schemas.microsoft.com/office/powerpoint/2010/main"/>
+    </mc:Fallback>
+  </mc:AlternateContent>
+  <p:timing>
+    <p:tnLst>
+      <p:par>
+        <p:cTn xmlns:p14="http://schemas.microsoft.com/office/powerpoint/2010/main" id="1" dur="indefinite" restart="never" nodeType="tmRoot"/>
+      </p:par>
+    </p:tnLst>
+  </p:timing>
+</p:sld>
+</file>
+
+<file path=ppt/slides/slide3.xml><?xml version="1.0" encoding="utf-8"?>
+<p:sld xmlns:a="http://schemas.openxmlformats.org/drawingml/2006/main" xmlns:r="http://schemas.openxmlformats.org/officeDocument/2006/relationships" xmlns:p="http://schemas.openxmlformats.org/presentationml/2006/main">
+  <p:cSld>
+    <p:spTree>
+      <p:nvGrpSpPr>
+        <p:cNvPr id="1" name=""/>
+        <p:cNvGrpSpPr/>
+        <p:nvPr/>
+      </p:nvGrpSpPr>
+      <p:grpSpPr>
+        <a:xfrm>
+          <a:off x="0" y="0"/>
+          <a:ext cx="0" cy="0"/>
+          <a:chOff x="0" y="0"/>
+          <a:chExt cx="0" cy="0"/>
+        </a:xfrm>
+      </p:grpSpPr>
       <p:sp>
         <p:nvSpPr>
           <p:cNvPr id="2" name="Title 1"/>
@@ -7840,7 +8279,7 @@
           <p:nvPr>
             <p:extLst>
               <p:ext uri="{D42A27DB-BD31-4B8C-83A1-F6EECF244321}">
-                <p14:modId xmlns:p14="http://schemas.microsoft.com/office/powerpoint/2010/main" val="137732165"/>
+                <p14:modId xmlns:p14="http://schemas.microsoft.com/office/powerpoint/2010/main" val="1875502501"/>
               </p:ext>
             </p:extLst>
           </p:nvPr>
@@ -7858,18 +8297,18 @@
     </p:spTree>
     <p:extLst>
       <p:ext uri="{BB962C8B-B14F-4D97-AF65-F5344CB8AC3E}">
-        <p14:creationId xmlns:p14="http://schemas.microsoft.com/office/powerpoint/2010/main" val="3208057730"/>
+        <p14:creationId xmlns:p14="http://schemas.microsoft.com/office/powerpoint/2010/main" val="4227448673"/>
       </p:ext>
     </p:extLst>
   </p:cSld>
   <p:clrMapOvr>
     <a:masterClrMapping/>
   </p:clrMapOvr>
-  <mc:AlternateContent xmlns:mc="http://schemas.openxmlformats.org/markup-compatibility/2006">
-    <mc:Choice xmlns:p14="http://schemas.microsoft.com/office/powerpoint/2010/main" Requires="p14">
+  <mc:AlternateContent xmlns:mc="http://schemas.openxmlformats.org/markup-compatibility/2006" xmlns:p14="http://schemas.microsoft.com/office/powerpoint/2010/main">
+    <mc:Choice Requires="p14">
       <p:transition p14:dur="0"/>
     </mc:Choice>
-    <mc:Fallback>
+    <mc:Fallback xmlns="">
       <p:transition xmlns:p14="http://schemas.microsoft.com/office/powerpoint/2010/main"/>
     </mc:Fallback>
   </mc:AlternateContent>
@@ -7883,7 +8322,7 @@
 </p:sld>
 </file>
 
-<file path=ppt/slides/slide3.xml><?xml version="1.0" encoding="utf-8"?>
+<file path=ppt/slides/slide4.xml><?xml version="1.0" encoding="utf-8"?>
 <p:sld xmlns:a="http://schemas.openxmlformats.org/drawingml/2006/main" xmlns:r="http://schemas.openxmlformats.org/officeDocument/2006/relationships" xmlns:p="http://schemas.openxmlformats.org/presentationml/2006/main">
   <p:cSld>
     <p:spTree>
@@ -7958,148 +8397,11 @@
   <p:clrMapOvr>
     <a:masterClrMapping/>
   </p:clrMapOvr>
-  <mc:AlternateContent xmlns:mc="http://schemas.openxmlformats.org/markup-compatibility/2006">
-    <mc:Choice xmlns:p14="http://schemas.microsoft.com/office/powerpoint/2010/main" Requires="p14">
+  <mc:AlternateContent xmlns:mc="http://schemas.openxmlformats.org/markup-compatibility/2006" xmlns:p14="http://schemas.microsoft.com/office/powerpoint/2010/main">
+    <mc:Choice Requires="p14">
       <p:transition p14:dur="0"/>
     </mc:Choice>
-    <mc:Fallback>
-      <p:transition xmlns:p14="http://schemas.microsoft.com/office/powerpoint/2010/main"/>
-    </mc:Fallback>
-  </mc:AlternateContent>
-  <p:timing>
-    <p:tnLst>
-      <p:par>
-        <p:cTn xmlns:p14="http://schemas.microsoft.com/office/powerpoint/2010/main" id="1" dur="indefinite" restart="never" nodeType="tmRoot"/>
-      </p:par>
-    </p:tnLst>
-  </p:timing>
-</p:sld>
-</file>
-
-<file path=ppt/slides/slide4.xml><?xml version="1.0" encoding="utf-8"?>
-<p:sld xmlns:a="http://schemas.openxmlformats.org/drawingml/2006/main" xmlns:r="http://schemas.openxmlformats.org/officeDocument/2006/relationships" xmlns:p="http://schemas.openxmlformats.org/presentationml/2006/main">
-  <p:cSld>
-    <p:spTree>
-      <p:nvGrpSpPr>
-        <p:cNvPr id="1" name=""/>
-        <p:cNvGrpSpPr/>
-        <p:nvPr/>
-      </p:nvGrpSpPr>
-      <p:grpSpPr>
-        <a:xfrm>
-          <a:off x="0" y="0"/>
-          <a:ext cx="0" cy="0"/>
-          <a:chOff x="0" y="0"/>
-          <a:chExt cx="0" cy="0"/>
-        </a:xfrm>
-      </p:grpSpPr>
-      <p:sp>
-        <p:nvSpPr>
-          <p:cNvPr id="2" name="Title 1"/>
-          <p:cNvSpPr>
-            <a:spLocks noGrp="1"/>
-          </p:cNvSpPr>
-          <p:nvPr>
-            <p:ph type="ctrTitle"/>
-          </p:nvPr>
-        </p:nvSpPr>
-        <p:spPr>
-          <a:xfrm>
-            <a:off x="685800" y="2130425"/>
-            <a:ext cx="8218340" cy="1470025"/>
-          </a:xfrm>
-        </p:spPr>
-        <p:txBody>
-          <a:bodyPr/>
-          <a:lstStyle/>
-          <a:p>
-            <a:r>
-              <a:rPr lang="en-US" dirty="0" smtClean="0"/>
-              <a:t>What is OSS</a:t>
-            </a:r>
-            <a:endParaRPr lang="en-US" dirty="0"/>
-          </a:p>
-        </p:txBody>
-      </p:sp>
-      <p:sp>
-        <p:nvSpPr>
-          <p:cNvPr id="3" name="Subtitle 2"/>
-          <p:cNvSpPr>
-            <a:spLocks noGrp="1"/>
-          </p:cNvSpPr>
-          <p:nvPr>
-            <p:ph type="subTitle" idx="1"/>
-          </p:nvPr>
-        </p:nvSpPr>
-        <p:spPr>
-          <a:xfrm>
-            <a:off x="1201388" y="3763443"/>
-            <a:ext cx="6400800" cy="1219200"/>
-          </a:xfrm>
-        </p:spPr>
-        <p:txBody>
-          <a:bodyPr>
-            <a:normAutofit fontScale="77500" lnSpcReduction="20000"/>
-          </a:bodyPr>
-          <a:lstStyle/>
-          <a:p>
-            <a:pPr marL="457200" indent="-457200" algn="l">
-              <a:buFont typeface="Wingdings" charset="2"/>
-              <a:buChar char="v"/>
-            </a:pPr>
-            <a:r>
-              <a:rPr lang="en-US" dirty="0" smtClean="0"/>
-              <a:t>Free Redistribution</a:t>
-            </a:r>
-          </a:p>
-          <a:p>
-            <a:pPr marL="457200" indent="-457200" algn="l">
-              <a:buFont typeface="Wingdings" charset="2"/>
-              <a:buChar char="v"/>
-            </a:pPr>
-            <a:r>
-              <a:rPr lang="en-US" dirty="0" smtClean="0"/>
-              <a:t>Availability of source code</a:t>
-            </a:r>
-          </a:p>
-          <a:p>
-            <a:pPr marL="457200" indent="-457200" algn="l">
-              <a:buFont typeface="Wingdings" charset="2"/>
-              <a:buChar char="v"/>
-            </a:pPr>
-            <a:r>
-              <a:rPr lang="en-US" dirty="0" smtClean="0"/>
-              <a:t>Copyright license</a:t>
-            </a:r>
-          </a:p>
-          <a:p>
-            <a:pPr marL="457200" indent="-457200" algn="l">
-              <a:buFont typeface="Wingdings" charset="2"/>
-              <a:buChar char="v"/>
-            </a:pPr>
-            <a:r>
-              <a:rPr lang="en-US" dirty="0" smtClean="0"/>
-              <a:t>No discrimination</a:t>
-            </a:r>
-            <a:endParaRPr lang="en-US" dirty="0"/>
-          </a:p>
-        </p:txBody>
-      </p:sp>
-    </p:spTree>
-    <p:extLst>
-      <p:ext uri="{BB962C8B-B14F-4D97-AF65-F5344CB8AC3E}">
-        <p14:creationId xmlns:p14="http://schemas.microsoft.com/office/powerpoint/2010/main" val="1603412821"/>
-      </p:ext>
-    </p:extLst>
-  </p:cSld>
-  <p:clrMapOvr>
-    <a:masterClrMapping/>
-  </p:clrMapOvr>
-  <mc:AlternateContent xmlns:mc="http://schemas.openxmlformats.org/markup-compatibility/2006">
-    <mc:Choice xmlns:p14="http://schemas.microsoft.com/office/powerpoint/2010/main" Requires="p14">
-      <p:transition p14:dur="0"/>
-    </mc:Choice>
-    <mc:Fallback>
+    <mc:Fallback xmlns="">
       <p:transition xmlns:p14="http://schemas.microsoft.com/office/powerpoint/2010/main"/>
     </mc:Fallback>
   </mc:AlternateContent>
@@ -8152,7 +8454,7 @@
           <a:p>
             <a:r>
               <a:rPr lang="en-US" dirty="0" smtClean="0"/>
-              <a:t>3C of OSS</a:t>
+              <a:t>What is OSS</a:t>
             </a:r>
             <a:endParaRPr lang="en-US" dirty="0"/>
           </a:p>
@@ -8176,7 +8478,7 @@
         </p:spPr>
         <p:txBody>
           <a:bodyPr>
-            <a:normAutofit fontScale="92500" lnSpcReduction="10000"/>
+            <a:normAutofit fontScale="77500" lnSpcReduction="20000"/>
           </a:bodyPr>
           <a:lstStyle/>
           <a:p>
@@ -8186,7 +8488,7 @@
             </a:pPr>
             <a:r>
               <a:rPr lang="en-US" dirty="0" smtClean="0"/>
-              <a:t>Code</a:t>
+              <a:t>Free Redistribution</a:t>
             </a:r>
           </a:p>
           <a:p>
@@ -8196,7 +8498,7 @@
             </a:pPr>
             <a:r>
               <a:rPr lang="en-US" dirty="0" smtClean="0"/>
-              <a:t>Collaboration</a:t>
+              <a:t>Availability of source code</a:t>
             </a:r>
           </a:p>
           <a:p>
@@ -8205,28 +8507,38 @@
               <a:buChar char="v"/>
             </a:pPr>
             <a:r>
-              <a:rPr lang="en-US" altLang="zh-CN" dirty="0" smtClean="0"/>
-              <a:t>Community</a:t>
-            </a:r>
-            <a:endParaRPr lang="en-US" dirty="0" smtClean="0"/>
+              <a:rPr lang="en-US" dirty="0" smtClean="0"/>
+              <a:t>Copyright license</a:t>
+            </a:r>
+          </a:p>
+          <a:p>
+            <a:pPr marL="457200" indent="-457200" algn="l">
+              <a:buFont typeface="Wingdings" charset="2"/>
+              <a:buChar char="v"/>
+            </a:pPr>
+            <a:r>
+              <a:rPr lang="en-US" dirty="0" smtClean="0"/>
+              <a:t>No discrimination</a:t>
+            </a:r>
+            <a:endParaRPr lang="en-US" dirty="0"/>
           </a:p>
         </p:txBody>
       </p:sp>
     </p:spTree>
     <p:extLst>
       <p:ext uri="{BB962C8B-B14F-4D97-AF65-F5344CB8AC3E}">
-        <p14:creationId xmlns:p14="http://schemas.microsoft.com/office/powerpoint/2010/main" val="202375019"/>
+        <p14:creationId xmlns:p14="http://schemas.microsoft.com/office/powerpoint/2010/main" val="1603412821"/>
       </p:ext>
     </p:extLst>
   </p:cSld>
   <p:clrMapOvr>
     <a:masterClrMapping/>
   </p:clrMapOvr>
-  <mc:AlternateContent xmlns:mc="http://schemas.openxmlformats.org/markup-compatibility/2006">
-    <mc:Choice xmlns:p14="http://schemas.microsoft.com/office/powerpoint/2010/main" Requires="p14">
+  <mc:AlternateContent xmlns:mc="http://schemas.openxmlformats.org/markup-compatibility/2006" xmlns:p14="http://schemas.microsoft.com/office/powerpoint/2010/main">
+    <mc:Choice Requires="p14">
       <p:transition p14:dur="0"/>
     </mc:Choice>
-    <mc:Fallback>
+    <mc:Fallback xmlns="">
       <p:transition xmlns:p14="http://schemas.microsoft.com/office/powerpoint/2010/main"/>
     </mc:Fallback>
   </mc:AlternateContent>
@@ -8279,15 +8591,7 @@
           <a:p>
             <a:r>
               <a:rPr lang="en-US" dirty="0" smtClean="0"/>
-              <a:t>O</a:t>
-            </a:r>
-            <a:r>
-              <a:rPr lang="en-US" altLang="zh-CN" dirty="0" smtClean="0"/>
-              <a:t>S</a:t>
-            </a:r>
-            <a:r>
-              <a:rPr lang="en-US" dirty="0" smtClean="0"/>
-              <a:t>S License</a:t>
+              <a:t>3C of OSS</a:t>
             </a:r>
             <a:endParaRPr lang="en-US" dirty="0"/>
           </a:p>
@@ -8305,13 +8609,13 @@
         </p:nvSpPr>
         <p:spPr>
           <a:xfrm>
-            <a:off x="1371600" y="3931665"/>
+            <a:off x="1201388" y="3763443"/>
             <a:ext cx="6400800" cy="1219200"/>
           </a:xfrm>
         </p:spPr>
         <p:txBody>
           <a:bodyPr>
-            <a:normAutofit/>
+            <a:normAutofit fontScale="92500" lnSpcReduction="10000"/>
           </a:bodyPr>
           <a:lstStyle/>
           <a:p>
@@ -8320,12 +8624,8 @@
               <a:buChar char="v"/>
             </a:pPr>
             <a:r>
-              <a:rPr lang="en-US" altLang="zh-CN" dirty="0"/>
-              <a:t>Close-Source </a:t>
-            </a:r>
-            <a:r>
               <a:rPr lang="en-US" dirty="0" smtClean="0"/>
-              <a:t>support</a:t>
+              <a:t>Code</a:t>
             </a:r>
           </a:p>
           <a:p>
@@ -8335,34 +8635,37 @@
             </a:pPr>
             <a:r>
               <a:rPr lang="en-US" dirty="0" smtClean="0"/>
-              <a:t>Non-</a:t>
-            </a:r>
+              <a:t>Collaboration</a:t>
+            </a:r>
+          </a:p>
+          <a:p>
+            <a:pPr marL="457200" indent="-457200" algn="l">
+              <a:buFont typeface="Wingdings" charset="2"/>
+              <a:buChar char="v"/>
+            </a:pPr>
             <a:r>
               <a:rPr lang="en-US" altLang="zh-CN" dirty="0" smtClean="0"/>
-              <a:t>Close-Source </a:t>
-            </a:r>
-            <a:r>
-              <a:rPr lang="en-US" dirty="0" smtClean="0"/>
-              <a:t>support</a:t>
-            </a:r>
+              <a:t>Community</a:t>
+            </a:r>
+            <a:endParaRPr lang="en-US" dirty="0" smtClean="0"/>
           </a:p>
         </p:txBody>
       </p:sp>
     </p:spTree>
     <p:extLst>
       <p:ext uri="{BB962C8B-B14F-4D97-AF65-F5344CB8AC3E}">
-        <p14:creationId xmlns:p14="http://schemas.microsoft.com/office/powerpoint/2010/main" val="356591753"/>
+        <p14:creationId xmlns:p14="http://schemas.microsoft.com/office/powerpoint/2010/main" val="202375019"/>
       </p:ext>
     </p:extLst>
   </p:cSld>
   <p:clrMapOvr>
     <a:masterClrMapping/>
   </p:clrMapOvr>
-  <mc:AlternateContent xmlns:mc="http://schemas.openxmlformats.org/markup-compatibility/2006">
-    <mc:Choice xmlns:p14="http://schemas.microsoft.com/office/powerpoint/2010/main" Requires="p14">
+  <mc:AlternateContent xmlns:mc="http://schemas.openxmlformats.org/markup-compatibility/2006" xmlns:p14="http://schemas.microsoft.com/office/powerpoint/2010/main">
+    <mc:Choice Requires="p14">
       <p:transition p14:dur="0"/>
     </mc:Choice>
-    <mc:Fallback>
+    <mc:Fallback xmlns="">
       <p:transition xmlns:p14="http://schemas.microsoft.com/office/powerpoint/2010/main"/>
     </mc:Fallback>
   </mc:AlternateContent>
@@ -8377,6 +8680,142 @@
 </file>
 
 <file path=ppt/slides/slide7.xml><?xml version="1.0" encoding="utf-8"?>
+<p:sld xmlns:a="http://schemas.openxmlformats.org/drawingml/2006/main" xmlns:r="http://schemas.openxmlformats.org/officeDocument/2006/relationships" xmlns:p="http://schemas.openxmlformats.org/presentationml/2006/main">
+  <p:cSld>
+    <p:spTree>
+      <p:nvGrpSpPr>
+        <p:cNvPr id="1" name=""/>
+        <p:cNvGrpSpPr/>
+        <p:nvPr/>
+      </p:nvGrpSpPr>
+      <p:grpSpPr>
+        <a:xfrm>
+          <a:off x="0" y="0"/>
+          <a:ext cx="0" cy="0"/>
+          <a:chOff x="0" y="0"/>
+          <a:chExt cx="0" cy="0"/>
+        </a:xfrm>
+      </p:grpSpPr>
+      <p:sp>
+        <p:nvSpPr>
+          <p:cNvPr id="2" name="Title 1"/>
+          <p:cNvSpPr>
+            <a:spLocks noGrp="1"/>
+          </p:cNvSpPr>
+          <p:nvPr>
+            <p:ph type="ctrTitle"/>
+          </p:nvPr>
+        </p:nvSpPr>
+        <p:spPr>
+          <a:xfrm>
+            <a:off x="685800" y="2130425"/>
+            <a:ext cx="8218340" cy="1470025"/>
+          </a:xfrm>
+        </p:spPr>
+        <p:txBody>
+          <a:bodyPr/>
+          <a:lstStyle/>
+          <a:p>
+            <a:r>
+              <a:rPr lang="en-US" dirty="0" smtClean="0"/>
+              <a:t>O</a:t>
+            </a:r>
+            <a:r>
+              <a:rPr lang="en-US" altLang="zh-CN" dirty="0" smtClean="0"/>
+              <a:t>S</a:t>
+            </a:r>
+            <a:r>
+              <a:rPr lang="en-US" dirty="0" smtClean="0"/>
+              <a:t>S License</a:t>
+            </a:r>
+            <a:endParaRPr lang="en-US" dirty="0"/>
+          </a:p>
+        </p:txBody>
+      </p:sp>
+      <p:sp>
+        <p:nvSpPr>
+          <p:cNvPr id="3" name="Subtitle 2"/>
+          <p:cNvSpPr>
+            <a:spLocks noGrp="1"/>
+          </p:cNvSpPr>
+          <p:nvPr>
+            <p:ph type="subTitle" idx="1"/>
+          </p:nvPr>
+        </p:nvSpPr>
+        <p:spPr>
+          <a:xfrm>
+            <a:off x="1371600" y="3931665"/>
+            <a:ext cx="6400800" cy="1219200"/>
+          </a:xfrm>
+        </p:spPr>
+        <p:txBody>
+          <a:bodyPr>
+            <a:normAutofit/>
+          </a:bodyPr>
+          <a:lstStyle/>
+          <a:p>
+            <a:pPr marL="457200" indent="-457200" algn="l">
+              <a:buFont typeface="Wingdings" charset="2"/>
+              <a:buChar char="v"/>
+            </a:pPr>
+            <a:r>
+              <a:rPr lang="en-US" altLang="zh-CN" dirty="0"/>
+              <a:t>Close-Source </a:t>
+            </a:r>
+            <a:r>
+              <a:rPr lang="en-US" dirty="0" smtClean="0"/>
+              <a:t>support</a:t>
+            </a:r>
+          </a:p>
+          <a:p>
+            <a:pPr marL="457200" indent="-457200" algn="l">
+              <a:buFont typeface="Wingdings" charset="2"/>
+              <a:buChar char="v"/>
+            </a:pPr>
+            <a:r>
+              <a:rPr lang="en-US" dirty="0" smtClean="0"/>
+              <a:t>Non-</a:t>
+            </a:r>
+            <a:r>
+              <a:rPr lang="en-US" altLang="zh-CN" dirty="0" smtClean="0"/>
+              <a:t>Close-Source </a:t>
+            </a:r>
+            <a:r>
+              <a:rPr lang="en-US" dirty="0" smtClean="0"/>
+              <a:t>support</a:t>
+            </a:r>
+          </a:p>
+        </p:txBody>
+      </p:sp>
+    </p:spTree>
+    <p:extLst>
+      <p:ext uri="{BB962C8B-B14F-4D97-AF65-F5344CB8AC3E}">
+        <p14:creationId xmlns:p14="http://schemas.microsoft.com/office/powerpoint/2010/main" val="356591753"/>
+      </p:ext>
+    </p:extLst>
+  </p:cSld>
+  <p:clrMapOvr>
+    <a:masterClrMapping/>
+  </p:clrMapOvr>
+  <mc:AlternateContent xmlns:mc="http://schemas.openxmlformats.org/markup-compatibility/2006" xmlns:p14="http://schemas.microsoft.com/office/powerpoint/2010/main">
+    <mc:Choice Requires="p14">
+      <p:transition p14:dur="0"/>
+    </mc:Choice>
+    <mc:Fallback xmlns="">
+      <p:transition xmlns:p14="http://schemas.microsoft.com/office/powerpoint/2010/main"/>
+    </mc:Fallback>
+  </mc:AlternateContent>
+  <p:timing>
+    <p:tnLst>
+      <p:par>
+        <p:cTn xmlns:p14="http://schemas.microsoft.com/office/powerpoint/2010/main" id="1" dur="indefinite" restart="never" nodeType="tmRoot"/>
+      </p:par>
+    </p:tnLst>
+  </p:timing>
+</p:sld>
+</file>
+
+<file path=ppt/slides/slide8.xml><?xml version="1.0" encoding="utf-8"?>
 <p:sld xmlns:a="http://schemas.openxmlformats.org/drawingml/2006/main" xmlns:r="http://schemas.openxmlformats.org/officeDocument/2006/relationships" xmlns:p="http://schemas.openxmlformats.org/presentationml/2006/main">
   <p:cSld>
     <p:spTree>
@@ -8490,162 +8929,11 @@
   <p:clrMapOvr>
     <a:masterClrMapping/>
   </p:clrMapOvr>
-  <mc:AlternateContent xmlns:mc="http://schemas.openxmlformats.org/markup-compatibility/2006">
-    <mc:Choice xmlns:p14="http://schemas.microsoft.com/office/powerpoint/2010/main" Requires="p14">
+  <mc:AlternateContent xmlns:mc="http://schemas.openxmlformats.org/markup-compatibility/2006" xmlns:p14="http://schemas.microsoft.com/office/powerpoint/2010/main">
+    <mc:Choice Requires="p14">
       <p:transition p14:dur="0"/>
     </mc:Choice>
-    <mc:Fallback>
-      <p:transition xmlns:p14="http://schemas.microsoft.com/office/powerpoint/2010/main"/>
-    </mc:Fallback>
-  </mc:AlternateContent>
-  <p:timing>
-    <p:tnLst>
-      <p:par>
-        <p:cTn xmlns:p14="http://schemas.microsoft.com/office/powerpoint/2010/main" id="1" dur="indefinite" restart="never" nodeType="tmRoot"/>
-      </p:par>
-    </p:tnLst>
-  </p:timing>
-</p:sld>
-</file>
-
-<file path=ppt/slides/slide8.xml><?xml version="1.0" encoding="utf-8"?>
-<p:sld xmlns:a="http://schemas.openxmlformats.org/drawingml/2006/main" xmlns:r="http://schemas.openxmlformats.org/officeDocument/2006/relationships" xmlns:p="http://schemas.openxmlformats.org/presentationml/2006/main">
-  <p:cSld>
-    <p:spTree>
-      <p:nvGrpSpPr>
-        <p:cNvPr id="1" name=""/>
-        <p:cNvGrpSpPr/>
-        <p:nvPr/>
-      </p:nvGrpSpPr>
-      <p:grpSpPr>
-        <a:xfrm>
-          <a:off x="0" y="0"/>
-          <a:ext cx="0" cy="0"/>
-          <a:chOff x="0" y="0"/>
-          <a:chExt cx="0" cy="0"/>
-        </a:xfrm>
-      </p:grpSpPr>
-      <p:sp>
-        <p:nvSpPr>
-          <p:cNvPr id="3" name="Subtitle 2"/>
-          <p:cNvSpPr>
-            <a:spLocks noGrp="1"/>
-          </p:cNvSpPr>
-          <p:nvPr>
-            <p:ph type="subTitle" idx="1"/>
-          </p:nvPr>
-        </p:nvSpPr>
-        <p:spPr>
-          <a:xfrm>
-            <a:off x="1371600" y="1469986"/>
-            <a:ext cx="6400800" cy="3846191"/>
-          </a:xfrm>
-        </p:spPr>
-        <p:txBody>
-          <a:bodyPr>
-            <a:normAutofit/>
-          </a:bodyPr>
-          <a:lstStyle/>
-          <a:p>
-            <a:pPr marL="457200" indent="-457200" algn="l">
-              <a:buFont typeface="Wingdings" charset="2"/>
-              <a:buChar char="v"/>
-            </a:pPr>
-            <a:r>
-              <a:rPr lang="en-US" dirty="0" smtClean="0"/>
-              <a:t>MySQL    (GPL/MySQL AB)</a:t>
-            </a:r>
-          </a:p>
-          <a:p>
-            <a:pPr marL="457200" indent="-457200" algn="l">
-              <a:buFont typeface="Wingdings" charset="2"/>
-              <a:buChar char="v"/>
-            </a:pPr>
-            <a:r>
-              <a:rPr lang="en-US" dirty="0" smtClean="0"/>
-              <a:t>JBOSS     (LGPL)</a:t>
-            </a:r>
-          </a:p>
-          <a:p>
-            <a:pPr marL="457200" indent="-457200" algn="l">
-              <a:buFont typeface="Wingdings" charset="2"/>
-              <a:buChar char="v"/>
-            </a:pPr>
-            <a:r>
-              <a:rPr lang="en-US" dirty="0" smtClean="0"/>
-              <a:t>Android  (APL)</a:t>
-            </a:r>
-          </a:p>
-          <a:p>
-            <a:pPr marL="457200" indent="-457200" algn="l">
-              <a:buFont typeface="Wingdings" charset="2"/>
-              <a:buChar char="v"/>
-            </a:pPr>
-            <a:r>
-              <a:rPr lang="en-US" dirty="0" err="1" smtClean="0"/>
-              <a:t>JQuery</a:t>
-            </a:r>
-            <a:r>
-              <a:rPr lang="en-US" dirty="0" smtClean="0"/>
-              <a:t>    (MIT)</a:t>
-            </a:r>
-          </a:p>
-          <a:p>
-            <a:pPr marL="457200" indent="-457200" algn="l">
-              <a:buFont typeface="Wingdings" charset="2"/>
-              <a:buChar char="v"/>
-            </a:pPr>
-            <a:r>
-              <a:rPr lang="en-US" dirty="0" err="1" smtClean="0"/>
-              <a:t>CruiseControl</a:t>
-            </a:r>
-            <a:r>
-              <a:rPr lang="en-US" dirty="0" smtClean="0"/>
-              <a:t>  </a:t>
-            </a:r>
-            <a:r>
-              <a:rPr lang="en-US" dirty="0"/>
-              <a:t>(BSD-style License)</a:t>
-            </a:r>
-          </a:p>
-          <a:p>
-            <a:pPr marL="457200" indent="-457200" algn="l">
-              <a:buFont typeface="Wingdings" charset="2"/>
-              <a:buChar char="v"/>
-            </a:pPr>
-            <a:endParaRPr lang="en-US" dirty="0" smtClean="0"/>
-          </a:p>
-          <a:p>
-            <a:pPr marL="457200" indent="-457200" algn="l">
-              <a:buFont typeface="Wingdings" charset="2"/>
-              <a:buChar char="v"/>
-            </a:pPr>
-            <a:endParaRPr lang="en-US" dirty="0" smtClean="0"/>
-          </a:p>
-          <a:p>
-            <a:pPr marL="457200" indent="-457200" algn="l">
-              <a:buFont typeface="Wingdings" charset="2"/>
-              <a:buChar char="v"/>
-            </a:pPr>
-            <a:endParaRPr lang="en-US" dirty="0"/>
-          </a:p>
-        </p:txBody>
-      </p:sp>
-    </p:spTree>
-    <p:extLst>
-      <p:ext uri="{BB962C8B-B14F-4D97-AF65-F5344CB8AC3E}">
-        <p14:creationId xmlns:p14="http://schemas.microsoft.com/office/powerpoint/2010/main" val="1745875729"/>
-      </p:ext>
-    </p:extLst>
-  </p:cSld>
-  <p:clrMapOvr>
-    <a:masterClrMapping/>
-  </p:clrMapOvr>
-  <mc:AlternateContent xmlns:mc="http://schemas.openxmlformats.org/markup-compatibility/2006">
-    <mc:Choice xmlns:p14="http://schemas.microsoft.com/office/powerpoint/2010/main" Requires="p14">
-      <p:transition p14:dur="0"/>
-    </mc:Choice>
-    <mc:Fallback>
+    <mc:Fallback xmlns="">
       <p:transition xmlns:p14="http://schemas.microsoft.com/office/powerpoint/2010/main"/>
     </mc:Fallback>
   </mc:AlternateContent>
@@ -8678,51 +8966,23 @@
       </p:grpSpPr>
       <p:sp>
         <p:nvSpPr>
-          <p:cNvPr id="2" name="Title 1"/>
-          <p:cNvSpPr>
-            <a:spLocks noGrp="1"/>
-          </p:cNvSpPr>
-          <p:nvPr>
-            <p:ph type="ctrTitle"/>
+          <p:cNvPr id="3" name="Subtitle 2"/>
+          <p:cNvSpPr>
+            <a:spLocks noGrp="1"/>
+          </p:cNvSpPr>
+          <p:nvPr>
+            <p:ph type="subTitle" idx="1"/>
           </p:nvPr>
         </p:nvSpPr>
         <p:spPr>
           <a:xfrm>
-            <a:off x="685800" y="2130425"/>
-            <a:ext cx="8218340" cy="1470025"/>
+            <a:off x="1371600" y="1469986"/>
+            <a:ext cx="6400800" cy="3846191"/>
           </a:xfrm>
         </p:spPr>
         <p:txBody>
-          <a:bodyPr/>
-          <a:lstStyle/>
-          <a:p>
-            <a:r>
-              <a:rPr lang="en-US" dirty="0" smtClean="0"/>
-              <a:t>OSS Hosting</a:t>
-            </a:r>
-            <a:endParaRPr lang="en-US" dirty="0"/>
-          </a:p>
-        </p:txBody>
-      </p:sp>
-      <p:sp>
-        <p:nvSpPr>
-          <p:cNvPr id="3" name="Subtitle 2"/>
-          <p:cNvSpPr>
-            <a:spLocks noGrp="1"/>
-          </p:cNvSpPr>
-          <p:nvPr>
-            <p:ph type="subTitle" idx="1"/>
-          </p:nvPr>
-        </p:nvSpPr>
-        <p:spPr>
-          <a:xfrm>
-            <a:off x="1150722" y="3579626"/>
-            <a:ext cx="6400800" cy="1752600"/>
-          </a:xfrm>
-        </p:spPr>
-        <p:txBody>
           <a:bodyPr>
-            <a:normAutofit lnSpcReduction="10000"/>
+            <a:normAutofit/>
           </a:bodyPr>
           <a:lstStyle/>
           <a:p>
@@ -8731,10 +8991,9 @@
               <a:buChar char="v"/>
             </a:pPr>
             <a:r>
-              <a:rPr lang="en-US" altLang="zh-CN" dirty="0" err="1" smtClean="0"/>
-              <a:t>Github</a:t>
-            </a:r>
-            <a:endParaRPr lang="en-US" altLang="zh-CN" dirty="0" smtClean="0"/>
+              <a:rPr lang="en-US" dirty="0" smtClean="0"/>
+              <a:t>MySQL    (GPL/MySQL AB)</a:t>
+            </a:r>
           </a:p>
           <a:p>
             <a:pPr marL="457200" indent="-457200" algn="l">
@@ -8742,10 +9001,9 @@
               <a:buChar char="v"/>
             </a:pPr>
             <a:r>
-              <a:rPr lang="en-US" altLang="zh-CN" dirty="0" err="1" smtClean="0"/>
-              <a:t>Gitorious</a:t>
-            </a:r>
-            <a:endParaRPr lang="en-US" altLang="zh-CN" dirty="0" smtClean="0"/>
+              <a:rPr lang="en-US" dirty="0" smtClean="0"/>
+              <a:t>JBOSS     (LGPL)</a:t>
+            </a:r>
           </a:p>
           <a:p>
             <a:pPr marL="457200" indent="-457200" algn="l">
@@ -8753,10 +9011,9 @@
               <a:buChar char="v"/>
             </a:pPr>
             <a:r>
-              <a:rPr lang="en-US" altLang="zh-CN" dirty="0" err="1" smtClean="0"/>
-              <a:t>SourceForge</a:t>
-            </a:r>
-            <a:endParaRPr lang="en-US" altLang="zh-CN" dirty="0" smtClean="0"/>
+              <a:rPr lang="en-US" dirty="0" smtClean="0"/>
+              <a:t>Android  (APL)</a:t>
+            </a:r>
           </a:p>
           <a:p>
             <a:pPr marL="457200" indent="-457200" algn="l">
@@ -8764,9 +9021,45 @@
               <a:buChar char="v"/>
             </a:pPr>
             <a:r>
-              <a:rPr lang="en-US" altLang="zh-CN" dirty="0" smtClean="0"/>
-              <a:t>Google code project</a:t>
-            </a:r>
+              <a:rPr lang="en-US" dirty="0" err="1" smtClean="0"/>
+              <a:t>JQuery</a:t>
+            </a:r>
+            <a:r>
+              <a:rPr lang="en-US" dirty="0" smtClean="0"/>
+              <a:t>    (MIT)</a:t>
+            </a:r>
+          </a:p>
+          <a:p>
+            <a:pPr marL="457200" indent="-457200" algn="l">
+              <a:buFont typeface="Wingdings" charset="2"/>
+              <a:buChar char="v"/>
+            </a:pPr>
+            <a:r>
+              <a:rPr lang="en-US" dirty="0" err="1" smtClean="0"/>
+              <a:t>CruiseControl</a:t>
+            </a:r>
+            <a:r>
+              <a:rPr lang="en-US" dirty="0" smtClean="0"/>
+              <a:t>  </a:t>
+            </a:r>
+            <a:r>
+              <a:rPr lang="en-US" dirty="0"/>
+              <a:t>(BSD-style License)</a:t>
+            </a:r>
+          </a:p>
+          <a:p>
+            <a:pPr marL="457200" indent="-457200" algn="l">
+              <a:buFont typeface="Wingdings" charset="2"/>
+              <a:buChar char="v"/>
+            </a:pPr>
+            <a:endParaRPr lang="en-US" dirty="0" smtClean="0"/>
+          </a:p>
+          <a:p>
+            <a:pPr marL="457200" indent="-457200" algn="l">
+              <a:buFont typeface="Wingdings" charset="2"/>
+              <a:buChar char="v"/>
+            </a:pPr>
+            <a:endParaRPr lang="en-US" dirty="0" smtClean="0"/>
           </a:p>
           <a:p>
             <a:pPr marL="457200" indent="-457200" algn="l">
@@ -8780,18 +9073,18 @@
     </p:spTree>
     <p:extLst>
       <p:ext uri="{BB962C8B-B14F-4D97-AF65-F5344CB8AC3E}">
-        <p14:creationId xmlns:p14="http://schemas.microsoft.com/office/powerpoint/2010/main" val="1682764158"/>
+        <p14:creationId xmlns:p14="http://schemas.microsoft.com/office/powerpoint/2010/main" val="1745875729"/>
       </p:ext>
     </p:extLst>
   </p:cSld>
   <p:clrMapOvr>
     <a:masterClrMapping/>
   </p:clrMapOvr>
-  <mc:AlternateContent xmlns:mc="http://schemas.openxmlformats.org/markup-compatibility/2006">
-    <mc:Choice xmlns:p14="http://schemas.microsoft.com/office/powerpoint/2010/main" Requires="p14">
+  <mc:AlternateContent xmlns:mc="http://schemas.openxmlformats.org/markup-compatibility/2006" xmlns:p14="http://schemas.microsoft.com/office/powerpoint/2010/main">
+    <mc:Choice Requires="p14">
       <p:transition p14:dur="0"/>
     </mc:Choice>
-    <mc:Fallback>
+    <mc:Fallback xmlns="">
       <p:transition xmlns:p14="http://schemas.microsoft.com/office/powerpoint/2010/main"/>
     </mc:Fallback>
   </mc:AlternateContent>

--- a/OSS intro.pptx
+++ b/OSS intro.pptx
@@ -8488,8 +8488,9 @@
             </a:pPr>
             <a:r>
               <a:rPr lang="en-US" dirty="0" smtClean="0"/>
-              <a:t>Free Redistribution</a:t>
-            </a:r>
+              <a:t>Redistribution</a:t>
+            </a:r>
+            <a:endParaRPr lang="en-US" dirty="0" smtClean="0"/>
           </a:p>
           <a:p>
             <a:pPr marL="457200" indent="-457200" algn="l">
@@ -8508,8 +8509,9 @@
             </a:pPr>
             <a:r>
               <a:rPr lang="en-US" dirty="0" smtClean="0"/>
-              <a:t>Copyright license</a:t>
-            </a:r>
+              <a:t>Compliant license</a:t>
+            </a:r>
+            <a:endParaRPr lang="en-US" dirty="0" smtClean="0"/>
           </a:p>
           <a:p>
             <a:pPr marL="457200" indent="-457200" algn="l">
@@ -8524,6 +8526,30 @@
           </a:p>
         </p:txBody>
       </p:sp>
+      <p:pic>
+        <p:nvPicPr>
+          <p:cNvPr id="4" name="Picture 3"/>
+          <p:cNvPicPr>
+            <a:picLocks noChangeAspect="1"/>
+          </p:cNvPicPr>
+          <p:nvPr/>
+        </p:nvPicPr>
+        <p:blipFill>
+          <a:blip r:embed="rId2"/>
+          <a:stretch>
+            <a:fillRect/>
+          </a:stretch>
+        </p:blipFill>
+        <p:spPr>
+          <a:xfrm>
+            <a:off x="4966893" y="3484650"/>
+            <a:ext cx="2059203" cy="1779151"/>
+          </a:xfrm>
+          <a:prstGeom prst="rect">
+            <a:avLst/>
+          </a:prstGeom>
+        </p:spPr>
+      </p:pic>
     </p:spTree>
     <p:extLst>
       <p:ext uri="{BB962C8B-B14F-4D97-AF65-F5344CB8AC3E}">

--- a/OSS intro.pptx
+++ b/OSS intro.pptx
@@ -20,9 +20,9 @@
     <p:sldId id="261" r:id="rId11"/>
     <p:sldId id="262" r:id="rId12"/>
     <p:sldId id="268" r:id="rId13"/>
-    <p:sldId id="264" r:id="rId14"/>
-    <p:sldId id="265" r:id="rId15"/>
-    <p:sldId id="263" r:id="rId16"/>
+    <p:sldId id="263" r:id="rId14"/>
+    <p:sldId id="264" r:id="rId15"/>
+    <p:sldId id="265" r:id="rId16"/>
     <p:sldId id="270" r:id="rId17"/>
   </p:sldIdLst>
   <p:sldSz cx="9144000" cy="6858000" type="screen4x3"/>
@@ -3397,7 +3397,7 @@
           <a:p>
             <a:fld id="{C2E8553D-EA14-8549-9D3A-D1EE3CD96B9A}" type="datetimeFigureOut">
               <a:rPr lang="en-US" smtClean="0"/>
-              <a:t>11/9/12</a:t>
+              <a:t>11/12/12</a:t>
             </a:fld>
             <a:endParaRPr lang="en-US"/>
           </a:p>
@@ -4025,7 +4025,7 @@
           <a:p>
             <a:fld id="{B4971E54-F1B6-5F45-B87A-9E2D4DC88AFF}" type="datetimeFigureOut">
               <a:rPr lang="en-US" smtClean="0"/>
-              <a:t>11/9/12</a:t>
+              <a:t>11/12/12</a:t>
             </a:fld>
             <a:endParaRPr lang="en-US"/>
           </a:p>
@@ -4200,7 +4200,7 @@
           <a:p>
             <a:fld id="{B4971E54-F1B6-5F45-B87A-9E2D4DC88AFF}" type="datetimeFigureOut">
               <a:rPr lang="en-US" smtClean="0"/>
-              <a:t>11/9/12</a:t>
+              <a:t>11/12/12</a:t>
             </a:fld>
             <a:endParaRPr lang="en-US"/>
           </a:p>
@@ -4385,7 +4385,7 @@
           <a:p>
             <a:fld id="{B4971E54-F1B6-5F45-B87A-9E2D4DC88AFF}" type="datetimeFigureOut">
               <a:rPr lang="en-US" smtClean="0"/>
-              <a:t>11/9/12</a:t>
+              <a:t>11/12/12</a:t>
             </a:fld>
             <a:endParaRPr lang="en-US"/>
           </a:p>
@@ -4578,7 +4578,7 @@
           <a:p>
             <a:fld id="{B4971E54-F1B6-5F45-B87A-9E2D4DC88AFF}" type="datetimeFigureOut">
               <a:rPr lang="en-US" smtClean="0"/>
-              <a:t>11/9/12</a:t>
+              <a:t>11/12/12</a:t>
             </a:fld>
             <a:endParaRPr lang="en-US"/>
           </a:p>
@@ -4850,7 +4850,7 @@
           <a:p>
             <a:fld id="{B4971E54-F1B6-5F45-B87A-9E2D4DC88AFF}" type="datetimeFigureOut">
               <a:rPr lang="en-US" smtClean="0"/>
-              <a:t>11/9/12</a:t>
+              <a:t>11/12/12</a:t>
             </a:fld>
             <a:endParaRPr lang="en-US"/>
           </a:p>
@@ -5208,7 +5208,7 @@
           <a:p>
             <a:fld id="{B4971E54-F1B6-5F45-B87A-9E2D4DC88AFF}" type="datetimeFigureOut">
               <a:rPr lang="en-US" smtClean="0"/>
-              <a:t>11/9/12</a:t>
+              <a:t>11/12/12</a:t>
             </a:fld>
             <a:endParaRPr lang="en-US"/>
           </a:p>
@@ -5526,7 +5526,7 @@
           <a:p>
             <a:fld id="{B4971E54-F1B6-5F45-B87A-9E2D4DC88AFF}" type="datetimeFigureOut">
               <a:rPr lang="en-US" smtClean="0"/>
-              <a:t>11/9/12</a:t>
+              <a:t>11/12/12</a:t>
             </a:fld>
             <a:endParaRPr lang="en-US"/>
           </a:p>
@@ -5763,7 +5763,7 @@
           <a:p>
             <a:fld id="{B4971E54-F1B6-5F45-B87A-9E2D4DC88AFF}" type="datetimeFigureOut">
               <a:rPr lang="en-US" smtClean="0"/>
-              <a:t>11/9/12</a:t>
+              <a:t>11/12/12</a:t>
             </a:fld>
             <a:endParaRPr lang="en-US"/>
           </a:p>
@@ -5863,7 +5863,7 @@
           <a:p>
             <a:fld id="{B4971E54-F1B6-5F45-B87A-9E2D4DC88AFF}" type="datetimeFigureOut">
               <a:rPr lang="en-US" smtClean="0"/>
-              <a:t>11/9/12</a:t>
+              <a:t>11/12/12</a:t>
             </a:fld>
             <a:endParaRPr lang="en-US"/>
           </a:p>
@@ -6161,7 +6161,7 @@
           <a:p>
             <a:fld id="{B4971E54-F1B6-5F45-B87A-9E2D4DC88AFF}" type="datetimeFigureOut">
               <a:rPr lang="en-US" smtClean="0"/>
-              <a:t>11/9/12</a:t>
+              <a:t>11/12/12</a:t>
             </a:fld>
             <a:endParaRPr lang="en-US"/>
           </a:p>
@@ -6440,7 +6440,7 @@
           <a:p>
             <a:fld id="{B4971E54-F1B6-5F45-B87A-9E2D4DC88AFF}" type="datetimeFigureOut">
               <a:rPr lang="en-US" smtClean="0"/>
-              <a:t>11/9/12</a:t>
+              <a:t>11/12/12</a:t>
             </a:fld>
             <a:endParaRPr lang="en-US"/>
           </a:p>
@@ -6660,7 +6660,7 @@
           <a:p>
             <a:fld id="{B4971E54-F1B6-5F45-B87A-9E2D4DC88AFF}" type="datetimeFigureOut">
               <a:rPr lang="en-US" smtClean="0"/>
-              <a:t>11/9/12</a:t>
+              <a:t>11/12/12</a:t>
             </a:fld>
             <a:endParaRPr lang="en-US"/>
           </a:p>
@@ -7739,11 +7739,7 @@
           <a:p>
             <a:r>
               <a:rPr lang="en-US" dirty="0" smtClean="0"/>
-              <a:t>What we are </a:t>
-            </a:r>
-            <a:r>
-              <a:rPr lang="en-US" altLang="zh-CN" dirty="0" smtClean="0"/>
-              <a:t>committing</a:t>
+              <a:t>How to Profit</a:t>
             </a:r>
             <a:endParaRPr lang="en-US" dirty="0"/>
           </a:p>
@@ -7761,26 +7757,43 @@
         </p:nvSpPr>
         <p:spPr>
           <a:xfrm>
-            <a:off x="1371600" y="3886200"/>
-            <a:ext cx="7041818" cy="1752600"/>
+            <a:off x="1371600" y="3718297"/>
+            <a:ext cx="6400800" cy="1219200"/>
           </a:xfrm>
         </p:spPr>
         <p:txBody>
-          <a:bodyPr/>
+          <a:bodyPr>
+            <a:normAutofit fontScale="92500" lnSpcReduction="10000"/>
+          </a:bodyPr>
           <a:lstStyle/>
           <a:p>
-            <a:pPr algn="l"/>
+            <a:pPr marL="342900" indent="-342900" algn="l">
+              <a:buFont typeface="Wingdings" charset="2"/>
+              <a:buChar char="v"/>
+            </a:pPr>
             <a:r>
               <a:rPr lang="en-US" dirty="0" smtClean="0"/>
-              <a:t>http://</a:t>
-            </a:r>
-            <a:r>
-              <a:rPr lang="en-US" dirty="0" err="1" smtClean="0"/>
-              <a:t>opensource.thoughtworks.com</a:t>
-            </a:r>
+              <a:t>Multiple Version</a:t>
+            </a:r>
+          </a:p>
+          <a:p>
+            <a:pPr marL="342900" indent="-342900" algn="l">
+              <a:buFont typeface="Wingdings" charset="2"/>
+              <a:buChar char="v"/>
+            </a:pPr>
             <a:r>
               <a:rPr lang="en-US" dirty="0" smtClean="0"/>
-              <a:t>/</a:t>
+              <a:t>Technical Support</a:t>
+            </a:r>
+          </a:p>
+          <a:p>
+            <a:pPr marL="342900" indent="-342900" algn="l">
+              <a:buFont typeface="Wingdings" charset="2"/>
+              <a:buChar char="v"/>
+            </a:pPr>
+            <a:r>
+              <a:rPr lang="en-US" dirty="0" smtClean="0"/>
+              <a:t>Documentation</a:t>
             </a:r>
           </a:p>
         </p:txBody>
@@ -7788,7 +7801,7 @@
     </p:spTree>
     <p:extLst>
       <p:ext uri="{BB962C8B-B14F-4D97-AF65-F5344CB8AC3E}">
-        <p14:creationId xmlns:p14="http://schemas.microsoft.com/office/powerpoint/2010/main" val="2584007047"/>
+        <p14:creationId xmlns:p14="http://schemas.microsoft.com/office/powerpoint/2010/main" val="382541135"/>
       </p:ext>
     </p:extLst>
   </p:cSld>
@@ -7842,7 +7855,7 @@
         </p:nvSpPr>
         <p:spPr>
           <a:xfrm>
-            <a:off x="685800" y="1907827"/>
+            <a:off x="685800" y="2130425"/>
             <a:ext cx="8218340" cy="1470025"/>
           </a:xfrm>
         </p:spPr>
@@ -7852,7 +7865,11 @@
           <a:p>
             <a:r>
               <a:rPr lang="en-US" dirty="0" smtClean="0"/>
-              <a:t>Benefit</a:t>
+              <a:t>What we are </a:t>
+            </a:r>
+            <a:r>
+              <a:rPr lang="en-US" altLang="zh-CN" dirty="0" smtClean="0"/>
+              <a:t>committing</a:t>
             </a:r>
             <a:endParaRPr lang="en-US" dirty="0"/>
           </a:p>
@@ -7860,7 +7877,7 @@
       </p:sp>
       <p:sp>
         <p:nvSpPr>
-          <p:cNvPr id="4" name="Subtitle 3"/>
+          <p:cNvPr id="3" name="Subtitle 2"/>
           <p:cNvSpPr>
             <a:spLocks noGrp="1"/>
           </p:cNvSpPr>
@@ -7870,52 +7887,34 @@
         </p:nvSpPr>
         <p:spPr>
           <a:xfrm>
-            <a:off x="1371600" y="3632502"/>
-            <a:ext cx="6400800" cy="1219200"/>
+            <a:off x="1371600" y="3886200"/>
+            <a:ext cx="7041818" cy="1752600"/>
           </a:xfrm>
         </p:spPr>
         <p:txBody>
-          <a:bodyPr>
-            <a:normAutofit fontScale="92500" lnSpcReduction="10000"/>
-          </a:bodyPr>
+          <a:bodyPr/>
           <a:lstStyle/>
           <a:p>
-            <a:pPr marL="342900" indent="-342900" algn="l">
-              <a:buFont typeface="Wingdings" charset="2"/>
-              <a:buChar char="v"/>
-            </a:pPr>
+            <a:pPr algn="l"/>
             <a:r>
               <a:rPr lang="en-US" dirty="0" smtClean="0"/>
-              <a:t>Extending knowledge </a:t>
-            </a:r>
-          </a:p>
-          <a:p>
-            <a:pPr marL="342900" indent="-342900" algn="l">
-              <a:buFont typeface="Wingdings" charset="2"/>
-              <a:buChar char="v"/>
-            </a:pPr>
+              <a:t>http://</a:t>
+            </a:r>
+            <a:r>
+              <a:rPr lang="en-US" dirty="0" err="1" smtClean="0"/>
+              <a:t>opensource.thoughtworks.com</a:t>
+            </a:r>
             <a:r>
               <a:rPr lang="en-US" dirty="0" smtClean="0"/>
-              <a:t>Improving experience</a:t>
-            </a:r>
-          </a:p>
-          <a:p>
-            <a:pPr marL="342900" indent="-342900" algn="l">
-              <a:buFont typeface="Wingdings" charset="2"/>
-              <a:buChar char="v"/>
-            </a:pPr>
-            <a:r>
-              <a:rPr lang="en-US" dirty="0" smtClean="0"/>
-              <a:t>Enjoying influence</a:t>
-            </a:r>
-            <a:endParaRPr lang="en-US" dirty="0"/>
+              <a:t>/</a:t>
+            </a:r>
           </a:p>
         </p:txBody>
       </p:sp>
     </p:spTree>
     <p:extLst>
       <p:ext uri="{BB962C8B-B14F-4D97-AF65-F5344CB8AC3E}">
-        <p14:creationId xmlns:p14="http://schemas.microsoft.com/office/powerpoint/2010/main" val="62937361"/>
+        <p14:creationId xmlns:p14="http://schemas.microsoft.com/office/powerpoint/2010/main" val="2584007047"/>
       </p:ext>
     </p:extLst>
   </p:cSld>
@@ -7969,7 +7968,7 @@
         </p:nvSpPr>
         <p:spPr>
           <a:xfrm>
-            <a:off x="685800" y="2130425"/>
+            <a:off x="685800" y="1907827"/>
             <a:ext cx="8218340" cy="1470025"/>
           </a:xfrm>
         </p:spPr>
@@ -7979,7 +7978,7 @@
           <a:p>
             <a:r>
               <a:rPr lang="en-US" dirty="0" smtClean="0"/>
-              <a:t>How to Profit</a:t>
+              <a:t>Benefit</a:t>
             </a:r>
             <a:endParaRPr lang="en-US" dirty="0"/>
           </a:p>
@@ -7987,7 +7986,7 @@
       </p:sp>
       <p:sp>
         <p:nvSpPr>
-          <p:cNvPr id="3" name="Subtitle 2"/>
+          <p:cNvPr id="4" name="Subtitle 3"/>
           <p:cNvSpPr>
             <a:spLocks noGrp="1"/>
           </p:cNvSpPr>
@@ -7997,7 +7996,7 @@
         </p:nvSpPr>
         <p:spPr>
           <a:xfrm>
-            <a:off x="1371600" y="3718297"/>
+            <a:off x="1371600" y="3632502"/>
             <a:ext cx="6400800" cy="1219200"/>
           </a:xfrm>
         </p:spPr>
@@ -8013,8 +8012,13 @@
             </a:pPr>
             <a:r>
               <a:rPr lang="en-US" dirty="0" smtClean="0"/>
-              <a:t>Multiple Version</a:t>
-            </a:r>
+              <a:t>Extending </a:t>
+            </a:r>
+            <a:r>
+              <a:rPr lang="en-US" dirty="0" smtClean="0"/>
+              <a:t>business knowledge </a:t>
+            </a:r>
+            <a:endParaRPr lang="en-US" dirty="0" smtClean="0"/>
           </a:p>
           <a:p>
             <a:pPr marL="342900" indent="-342900" algn="l">
@@ -8023,8 +8027,13 @@
             </a:pPr>
             <a:r>
               <a:rPr lang="en-US" dirty="0" smtClean="0"/>
-              <a:t>Technical Support</a:t>
-            </a:r>
+              <a:t>Improving </a:t>
+            </a:r>
+            <a:r>
+              <a:rPr lang="en-US" dirty="0" smtClean="0"/>
+              <a:t>tech experience</a:t>
+            </a:r>
+            <a:endParaRPr lang="en-US" dirty="0" smtClean="0"/>
           </a:p>
           <a:p>
             <a:pPr marL="342900" indent="-342900" algn="l">
@@ -8033,15 +8042,20 @@
             </a:pPr>
             <a:r>
               <a:rPr lang="en-US" dirty="0" smtClean="0"/>
-              <a:t>Documentation</a:t>
-            </a:r>
+              <a:t>Enjoying </a:t>
+            </a:r>
+            <a:r>
+              <a:rPr lang="en-US" dirty="0" smtClean="0"/>
+              <a:t>the influence</a:t>
+            </a:r>
+            <a:endParaRPr lang="en-US" dirty="0"/>
           </a:p>
         </p:txBody>
       </p:sp>
     </p:spTree>
     <p:extLst>
       <p:ext uri="{BB962C8B-B14F-4D97-AF65-F5344CB8AC3E}">
-        <p14:creationId xmlns:p14="http://schemas.microsoft.com/office/powerpoint/2010/main" val="382541135"/>
+        <p14:creationId xmlns:p14="http://schemas.microsoft.com/office/powerpoint/2010/main" val="62937361"/>
       </p:ext>
     </p:extLst>
   </p:cSld>
@@ -8488,9 +8502,8 @@
             </a:pPr>
             <a:r>
               <a:rPr lang="en-US" dirty="0" smtClean="0"/>
-              <a:t>Redistribution</a:t>
-            </a:r>
-            <a:endParaRPr lang="en-US" dirty="0" smtClean="0"/>
+              <a:t>Free Redistribution</a:t>
+            </a:r>
           </a:p>
           <a:p>
             <a:pPr marL="457200" indent="-457200" algn="l">
@@ -8509,9 +8522,8 @@
             </a:pPr>
             <a:r>
               <a:rPr lang="en-US" dirty="0" smtClean="0"/>
-              <a:t>Compliant license</a:t>
-            </a:r>
-            <a:endParaRPr lang="en-US" dirty="0" smtClean="0"/>
+              <a:t>Copyright license</a:t>
+            </a:r>
           </a:p>
           <a:p>
             <a:pPr marL="457200" indent="-457200" algn="l">
@@ -8526,30 +8538,6 @@
           </a:p>
         </p:txBody>
       </p:sp>
-      <p:pic>
-        <p:nvPicPr>
-          <p:cNvPr id="4" name="Picture 3"/>
-          <p:cNvPicPr>
-            <a:picLocks noChangeAspect="1"/>
-          </p:cNvPicPr>
-          <p:nvPr/>
-        </p:nvPicPr>
-        <p:blipFill>
-          <a:blip r:embed="rId2"/>
-          <a:stretch>
-            <a:fillRect/>
-          </a:stretch>
-        </p:blipFill>
-        <p:spPr>
-          <a:xfrm>
-            <a:off x="4966893" y="3484650"/>
-            <a:ext cx="2059203" cy="1779151"/>
-          </a:xfrm>
-          <a:prstGeom prst="rect">
-            <a:avLst/>
-          </a:prstGeom>
-        </p:spPr>
-      </p:pic>
     </p:spTree>
     <p:extLst>
       <p:ext uri="{BB962C8B-B14F-4D97-AF65-F5344CB8AC3E}">
